--- a/administration/Sprint presentations/Präsentation_Abschluss_wiki.pptx
+++ b/administration/Sprint presentations/Präsentation_Abschluss_wiki.pptx
@@ -642,6 +642,1241 @@
     </a:lvl9pPr>
   </p:notesStyle>
 </p:notesMaster>
+</file>
+
+<file path=ppt/notesSlides/notesSlide1.xml><?xml version="1.0" encoding="utf-8"?>
+<p:notes xmlns:a="http://schemas.openxmlformats.org/drawingml/2006/main" xmlns:r="http://schemas.openxmlformats.org/officeDocument/2006/relationships" xmlns:p="http://schemas.openxmlformats.org/presentationml/2006/main">
+  <p:cSld>
+    <p:spTree>
+      <p:nvGrpSpPr>
+        <p:cNvPr id="1" name=""/>
+        <p:cNvGrpSpPr/>
+        <p:nvPr/>
+      </p:nvGrpSpPr>
+      <p:grpSpPr>
+        <a:xfrm>
+          <a:off x="0" y="0"/>
+          <a:ext cx="0" cy="0"/>
+          <a:chOff x="0" y="0"/>
+          <a:chExt cx="0" cy="0"/>
+        </a:xfrm>
+      </p:grpSpPr>
+      <p:sp>
+        <p:nvSpPr>
+          <p:cNvPr id="2" name="Folienbildplatzhalter 1"/>
+          <p:cNvSpPr>
+            <a:spLocks noGrp="1" noRot="1" noChangeAspect="1"/>
+          </p:cNvSpPr>
+          <p:nvPr>
+            <p:ph type="sldImg"/>
+          </p:nvPr>
+        </p:nvSpPr>
+        <p:spPr/>
+      </p:sp>
+      <p:sp>
+        <p:nvSpPr>
+          <p:cNvPr id="3" name="Notizenplatzhalter 2"/>
+          <p:cNvSpPr>
+            <a:spLocks noGrp="1"/>
+          </p:cNvSpPr>
+          <p:nvPr>
+            <p:ph type="body" idx="1"/>
+          </p:nvPr>
+        </p:nvSpPr>
+        <p:spPr/>
+        <p:txBody>
+          <a:bodyPr/>
+          <a:lstStyle/>
+          <a:p>
+            <a:r>
+              <a:rPr lang="de-DE" dirty="0" err="1" smtClean="0"/>
+              <a:t>nici</a:t>
+            </a:r>
+            <a:endParaRPr lang="de-DE" dirty="0"/>
+          </a:p>
+        </p:txBody>
+      </p:sp>
+      <p:sp>
+        <p:nvSpPr>
+          <p:cNvPr id="4" name="Foliennummernplatzhalter 3"/>
+          <p:cNvSpPr>
+            <a:spLocks noGrp="1"/>
+          </p:cNvSpPr>
+          <p:nvPr>
+            <p:ph type="sldNum" sz="quarter" idx="10"/>
+          </p:nvPr>
+        </p:nvSpPr>
+        <p:spPr/>
+        <p:txBody>
+          <a:bodyPr/>
+          <a:lstStyle/>
+          <a:p>
+            <a:fld id="{A241AB73-963A-FC48-B41B-5F5D3E8CD38B}" type="slidenum">
+              <a:rPr lang="de-DE" smtClean="0"/>
+              <a:t>1</a:t>
+            </a:fld>
+            <a:endParaRPr lang="de-DE"/>
+          </a:p>
+        </p:txBody>
+      </p:sp>
+    </p:spTree>
+    <p:extLst>
+      <p:ext uri="{BB962C8B-B14F-4D97-AF65-F5344CB8AC3E}">
+        <p14:creationId xmlns:p14="http://schemas.microsoft.com/office/powerpoint/2010/main" val="1605788605"/>
+      </p:ext>
+    </p:extLst>
+  </p:cSld>
+  <p:clrMapOvr>
+    <a:masterClrMapping/>
+  </p:clrMapOvr>
+</p:notes>
+</file>
+
+<file path=ppt/notesSlides/notesSlide10.xml><?xml version="1.0" encoding="utf-8"?>
+<p:notes xmlns:a="http://schemas.openxmlformats.org/drawingml/2006/main" xmlns:r="http://schemas.openxmlformats.org/officeDocument/2006/relationships" xmlns:p="http://schemas.openxmlformats.org/presentationml/2006/main">
+  <p:cSld>
+    <p:spTree>
+      <p:nvGrpSpPr>
+        <p:cNvPr id="1" name=""/>
+        <p:cNvGrpSpPr/>
+        <p:nvPr/>
+      </p:nvGrpSpPr>
+      <p:grpSpPr>
+        <a:xfrm>
+          <a:off x="0" y="0"/>
+          <a:ext cx="0" cy="0"/>
+          <a:chOff x="0" y="0"/>
+          <a:chExt cx="0" cy="0"/>
+        </a:xfrm>
+      </p:grpSpPr>
+      <p:sp>
+        <p:nvSpPr>
+          <p:cNvPr id="2" name="Folienbildplatzhalter 1"/>
+          <p:cNvSpPr>
+            <a:spLocks noGrp="1" noRot="1" noChangeAspect="1"/>
+          </p:cNvSpPr>
+          <p:nvPr>
+            <p:ph type="sldImg"/>
+          </p:nvPr>
+        </p:nvSpPr>
+        <p:spPr/>
+      </p:sp>
+      <p:sp>
+        <p:nvSpPr>
+          <p:cNvPr id="3" name="Notizenplatzhalter 2"/>
+          <p:cNvSpPr>
+            <a:spLocks noGrp="1"/>
+          </p:cNvSpPr>
+          <p:nvPr>
+            <p:ph type="body" idx="1"/>
+          </p:nvPr>
+        </p:nvSpPr>
+        <p:spPr/>
+        <p:txBody>
+          <a:bodyPr/>
+          <a:lstStyle/>
+          <a:p>
+            <a:r>
+              <a:rPr lang="de-DE" dirty="0" err="1" smtClean="0"/>
+              <a:t>michi</a:t>
+            </a:r>
+            <a:endParaRPr lang="de-DE" dirty="0"/>
+          </a:p>
+        </p:txBody>
+      </p:sp>
+      <p:sp>
+        <p:nvSpPr>
+          <p:cNvPr id="4" name="Foliennummernplatzhalter 3"/>
+          <p:cNvSpPr>
+            <a:spLocks noGrp="1"/>
+          </p:cNvSpPr>
+          <p:nvPr>
+            <p:ph type="sldNum" sz="quarter" idx="10"/>
+          </p:nvPr>
+        </p:nvSpPr>
+        <p:spPr/>
+        <p:txBody>
+          <a:bodyPr/>
+          <a:lstStyle/>
+          <a:p>
+            <a:fld id="{A241AB73-963A-FC48-B41B-5F5D3E8CD38B}" type="slidenum">
+              <a:rPr lang="de-DE" smtClean="0"/>
+              <a:t>10</a:t>
+            </a:fld>
+            <a:endParaRPr lang="de-DE"/>
+          </a:p>
+        </p:txBody>
+      </p:sp>
+    </p:spTree>
+    <p:extLst>
+      <p:ext uri="{BB962C8B-B14F-4D97-AF65-F5344CB8AC3E}">
+        <p14:creationId xmlns:p14="http://schemas.microsoft.com/office/powerpoint/2010/main" val="745893720"/>
+      </p:ext>
+    </p:extLst>
+  </p:cSld>
+  <p:clrMapOvr>
+    <a:masterClrMapping/>
+  </p:clrMapOvr>
+</p:notes>
+</file>
+
+<file path=ppt/notesSlides/notesSlide11.xml><?xml version="1.0" encoding="utf-8"?>
+<p:notes xmlns:a="http://schemas.openxmlformats.org/drawingml/2006/main" xmlns:r="http://schemas.openxmlformats.org/officeDocument/2006/relationships" xmlns:p="http://schemas.openxmlformats.org/presentationml/2006/main">
+  <p:cSld>
+    <p:spTree>
+      <p:nvGrpSpPr>
+        <p:cNvPr id="1" name=""/>
+        <p:cNvGrpSpPr/>
+        <p:nvPr/>
+      </p:nvGrpSpPr>
+      <p:grpSpPr>
+        <a:xfrm>
+          <a:off x="0" y="0"/>
+          <a:ext cx="0" cy="0"/>
+          <a:chOff x="0" y="0"/>
+          <a:chExt cx="0" cy="0"/>
+        </a:xfrm>
+      </p:grpSpPr>
+      <p:sp>
+        <p:nvSpPr>
+          <p:cNvPr id="2" name="Folienbildplatzhalter 1"/>
+          <p:cNvSpPr>
+            <a:spLocks noGrp="1" noRot="1" noChangeAspect="1"/>
+          </p:cNvSpPr>
+          <p:nvPr>
+            <p:ph type="sldImg"/>
+          </p:nvPr>
+        </p:nvSpPr>
+        <p:spPr/>
+      </p:sp>
+      <p:sp>
+        <p:nvSpPr>
+          <p:cNvPr id="3" name="Notizenplatzhalter 2"/>
+          <p:cNvSpPr>
+            <a:spLocks noGrp="1"/>
+          </p:cNvSpPr>
+          <p:nvPr>
+            <p:ph type="body" idx="1"/>
+          </p:nvPr>
+        </p:nvSpPr>
+        <p:spPr/>
+        <p:txBody>
+          <a:bodyPr/>
+          <a:lstStyle/>
+          <a:p>
+            <a:r>
+              <a:rPr lang="de-DE" dirty="0" err="1" smtClean="0"/>
+              <a:t>michi</a:t>
+            </a:r>
+            <a:endParaRPr lang="de-DE" dirty="0"/>
+          </a:p>
+        </p:txBody>
+      </p:sp>
+      <p:sp>
+        <p:nvSpPr>
+          <p:cNvPr id="4" name="Foliennummernplatzhalter 3"/>
+          <p:cNvSpPr>
+            <a:spLocks noGrp="1"/>
+          </p:cNvSpPr>
+          <p:nvPr>
+            <p:ph type="sldNum" sz="quarter" idx="10"/>
+          </p:nvPr>
+        </p:nvSpPr>
+        <p:spPr/>
+        <p:txBody>
+          <a:bodyPr/>
+          <a:lstStyle/>
+          <a:p>
+            <a:fld id="{A241AB73-963A-FC48-B41B-5F5D3E8CD38B}" type="slidenum">
+              <a:rPr lang="de-DE" smtClean="0"/>
+              <a:t>11</a:t>
+            </a:fld>
+            <a:endParaRPr lang="de-DE"/>
+          </a:p>
+        </p:txBody>
+      </p:sp>
+    </p:spTree>
+    <p:extLst>
+      <p:ext uri="{BB962C8B-B14F-4D97-AF65-F5344CB8AC3E}">
+        <p14:creationId xmlns:p14="http://schemas.microsoft.com/office/powerpoint/2010/main" val="4227036906"/>
+      </p:ext>
+    </p:extLst>
+  </p:cSld>
+  <p:clrMapOvr>
+    <a:masterClrMapping/>
+  </p:clrMapOvr>
+</p:notes>
+</file>
+
+<file path=ppt/notesSlides/notesSlide12.xml><?xml version="1.0" encoding="utf-8"?>
+<p:notes xmlns:a="http://schemas.openxmlformats.org/drawingml/2006/main" xmlns:r="http://schemas.openxmlformats.org/officeDocument/2006/relationships" xmlns:p="http://schemas.openxmlformats.org/presentationml/2006/main">
+  <p:cSld>
+    <p:spTree>
+      <p:nvGrpSpPr>
+        <p:cNvPr id="1" name=""/>
+        <p:cNvGrpSpPr/>
+        <p:nvPr/>
+      </p:nvGrpSpPr>
+      <p:grpSpPr>
+        <a:xfrm>
+          <a:off x="0" y="0"/>
+          <a:ext cx="0" cy="0"/>
+          <a:chOff x="0" y="0"/>
+          <a:chExt cx="0" cy="0"/>
+        </a:xfrm>
+      </p:grpSpPr>
+      <p:sp>
+        <p:nvSpPr>
+          <p:cNvPr id="2" name="Folienbildplatzhalter 1"/>
+          <p:cNvSpPr>
+            <a:spLocks noGrp="1" noRot="1" noChangeAspect="1"/>
+          </p:cNvSpPr>
+          <p:nvPr>
+            <p:ph type="sldImg"/>
+          </p:nvPr>
+        </p:nvSpPr>
+        <p:spPr/>
+      </p:sp>
+      <p:sp>
+        <p:nvSpPr>
+          <p:cNvPr id="3" name="Notizenplatzhalter 2"/>
+          <p:cNvSpPr>
+            <a:spLocks noGrp="1"/>
+          </p:cNvSpPr>
+          <p:nvPr>
+            <p:ph type="body" idx="1"/>
+          </p:nvPr>
+        </p:nvSpPr>
+        <p:spPr/>
+        <p:txBody>
+          <a:bodyPr/>
+          <a:lstStyle/>
+          <a:p>
+            <a:r>
+              <a:rPr lang="de-DE" dirty="0" err="1" smtClean="0"/>
+              <a:t>silvio</a:t>
+            </a:r>
+            <a:endParaRPr lang="de-DE" dirty="0"/>
+          </a:p>
+        </p:txBody>
+      </p:sp>
+      <p:sp>
+        <p:nvSpPr>
+          <p:cNvPr id="4" name="Foliennummernplatzhalter 3"/>
+          <p:cNvSpPr>
+            <a:spLocks noGrp="1"/>
+          </p:cNvSpPr>
+          <p:nvPr>
+            <p:ph type="sldNum" sz="quarter" idx="10"/>
+          </p:nvPr>
+        </p:nvSpPr>
+        <p:spPr/>
+        <p:txBody>
+          <a:bodyPr/>
+          <a:lstStyle/>
+          <a:p>
+            <a:fld id="{A241AB73-963A-FC48-B41B-5F5D3E8CD38B}" type="slidenum">
+              <a:rPr lang="de-DE" smtClean="0"/>
+              <a:t>12</a:t>
+            </a:fld>
+            <a:endParaRPr lang="de-DE"/>
+          </a:p>
+        </p:txBody>
+      </p:sp>
+    </p:spTree>
+    <p:extLst>
+      <p:ext uri="{BB962C8B-B14F-4D97-AF65-F5344CB8AC3E}">
+        <p14:creationId xmlns:p14="http://schemas.microsoft.com/office/powerpoint/2010/main" val="180395048"/>
+      </p:ext>
+    </p:extLst>
+  </p:cSld>
+  <p:clrMapOvr>
+    <a:masterClrMapping/>
+  </p:clrMapOvr>
+</p:notes>
+</file>
+
+<file path=ppt/notesSlides/notesSlide13.xml><?xml version="1.0" encoding="utf-8"?>
+<p:notes xmlns:a="http://schemas.openxmlformats.org/drawingml/2006/main" xmlns:r="http://schemas.openxmlformats.org/officeDocument/2006/relationships" xmlns:p="http://schemas.openxmlformats.org/presentationml/2006/main">
+  <p:cSld>
+    <p:spTree>
+      <p:nvGrpSpPr>
+        <p:cNvPr id="1" name=""/>
+        <p:cNvGrpSpPr/>
+        <p:nvPr/>
+      </p:nvGrpSpPr>
+      <p:grpSpPr>
+        <a:xfrm>
+          <a:off x="0" y="0"/>
+          <a:ext cx="0" cy="0"/>
+          <a:chOff x="0" y="0"/>
+          <a:chExt cx="0" cy="0"/>
+        </a:xfrm>
+      </p:grpSpPr>
+      <p:sp>
+        <p:nvSpPr>
+          <p:cNvPr id="2" name="Folienbildplatzhalter 1"/>
+          <p:cNvSpPr>
+            <a:spLocks noGrp="1" noRot="1" noChangeAspect="1"/>
+          </p:cNvSpPr>
+          <p:nvPr>
+            <p:ph type="sldImg"/>
+          </p:nvPr>
+        </p:nvSpPr>
+        <p:spPr/>
+      </p:sp>
+      <p:sp>
+        <p:nvSpPr>
+          <p:cNvPr id="3" name="Notizenplatzhalter 2"/>
+          <p:cNvSpPr>
+            <a:spLocks noGrp="1"/>
+          </p:cNvSpPr>
+          <p:nvPr>
+            <p:ph type="body" idx="1"/>
+          </p:nvPr>
+        </p:nvSpPr>
+        <p:spPr/>
+        <p:txBody>
+          <a:bodyPr/>
+          <a:lstStyle/>
+          <a:p>
+            <a:r>
+              <a:rPr lang="de-DE" dirty="0" smtClean="0"/>
+              <a:t>simon</a:t>
+            </a:r>
+            <a:endParaRPr lang="de-DE" dirty="0"/>
+          </a:p>
+        </p:txBody>
+      </p:sp>
+      <p:sp>
+        <p:nvSpPr>
+          <p:cNvPr id="4" name="Foliennummernplatzhalter 3"/>
+          <p:cNvSpPr>
+            <a:spLocks noGrp="1"/>
+          </p:cNvSpPr>
+          <p:nvPr>
+            <p:ph type="sldNum" sz="quarter" idx="10"/>
+          </p:nvPr>
+        </p:nvSpPr>
+        <p:spPr/>
+        <p:txBody>
+          <a:bodyPr/>
+          <a:lstStyle/>
+          <a:p>
+            <a:fld id="{A241AB73-963A-FC48-B41B-5F5D3E8CD38B}" type="slidenum">
+              <a:rPr lang="de-DE" smtClean="0"/>
+              <a:t>13</a:t>
+            </a:fld>
+            <a:endParaRPr lang="de-DE"/>
+          </a:p>
+        </p:txBody>
+      </p:sp>
+    </p:spTree>
+    <p:extLst>
+      <p:ext uri="{BB962C8B-B14F-4D97-AF65-F5344CB8AC3E}">
+        <p14:creationId xmlns:p14="http://schemas.microsoft.com/office/powerpoint/2010/main" val="2197789038"/>
+      </p:ext>
+    </p:extLst>
+  </p:cSld>
+  <p:clrMapOvr>
+    <a:masterClrMapping/>
+  </p:clrMapOvr>
+</p:notes>
+</file>
+
+<file path=ppt/notesSlides/notesSlide14.xml><?xml version="1.0" encoding="utf-8"?>
+<p:notes xmlns:a="http://schemas.openxmlformats.org/drawingml/2006/main" xmlns:r="http://schemas.openxmlformats.org/officeDocument/2006/relationships" xmlns:p="http://schemas.openxmlformats.org/presentationml/2006/main">
+  <p:cSld>
+    <p:spTree>
+      <p:nvGrpSpPr>
+        <p:cNvPr id="1" name=""/>
+        <p:cNvGrpSpPr/>
+        <p:nvPr/>
+      </p:nvGrpSpPr>
+      <p:grpSpPr>
+        <a:xfrm>
+          <a:off x="0" y="0"/>
+          <a:ext cx="0" cy="0"/>
+          <a:chOff x="0" y="0"/>
+          <a:chExt cx="0" cy="0"/>
+        </a:xfrm>
+      </p:grpSpPr>
+      <p:sp>
+        <p:nvSpPr>
+          <p:cNvPr id="2" name="Folienbildplatzhalter 1"/>
+          <p:cNvSpPr>
+            <a:spLocks noGrp="1" noRot="1" noChangeAspect="1"/>
+          </p:cNvSpPr>
+          <p:nvPr>
+            <p:ph type="sldImg"/>
+          </p:nvPr>
+        </p:nvSpPr>
+        <p:spPr/>
+      </p:sp>
+      <p:sp>
+        <p:nvSpPr>
+          <p:cNvPr id="3" name="Notizenplatzhalter 2"/>
+          <p:cNvSpPr>
+            <a:spLocks noGrp="1"/>
+          </p:cNvSpPr>
+          <p:nvPr>
+            <p:ph type="body" idx="1"/>
+          </p:nvPr>
+        </p:nvSpPr>
+        <p:spPr/>
+        <p:txBody>
+          <a:bodyPr/>
+          <a:lstStyle/>
+          <a:p>
+            <a:r>
+              <a:rPr lang="de-DE" smtClean="0"/>
+              <a:t>all</a:t>
+            </a:r>
+            <a:endParaRPr lang="de-DE"/>
+          </a:p>
+        </p:txBody>
+      </p:sp>
+      <p:sp>
+        <p:nvSpPr>
+          <p:cNvPr id="4" name="Foliennummernplatzhalter 3"/>
+          <p:cNvSpPr>
+            <a:spLocks noGrp="1"/>
+          </p:cNvSpPr>
+          <p:nvPr>
+            <p:ph type="sldNum" sz="quarter" idx="10"/>
+          </p:nvPr>
+        </p:nvSpPr>
+        <p:spPr/>
+        <p:txBody>
+          <a:bodyPr/>
+          <a:lstStyle/>
+          <a:p>
+            <a:fld id="{A241AB73-963A-FC48-B41B-5F5D3E8CD38B}" type="slidenum">
+              <a:rPr lang="de-DE" smtClean="0"/>
+              <a:t>14</a:t>
+            </a:fld>
+            <a:endParaRPr lang="de-DE"/>
+          </a:p>
+        </p:txBody>
+      </p:sp>
+    </p:spTree>
+    <p:extLst>
+      <p:ext uri="{BB962C8B-B14F-4D97-AF65-F5344CB8AC3E}">
+        <p14:creationId xmlns:p14="http://schemas.microsoft.com/office/powerpoint/2010/main" val="3477951040"/>
+      </p:ext>
+    </p:extLst>
+  </p:cSld>
+  <p:clrMapOvr>
+    <a:masterClrMapping/>
+  </p:clrMapOvr>
+</p:notes>
+</file>
+
+<file path=ppt/notesSlides/notesSlide2.xml><?xml version="1.0" encoding="utf-8"?>
+<p:notes xmlns:a="http://schemas.openxmlformats.org/drawingml/2006/main" xmlns:r="http://schemas.openxmlformats.org/officeDocument/2006/relationships" xmlns:p="http://schemas.openxmlformats.org/presentationml/2006/main">
+  <p:cSld>
+    <p:spTree>
+      <p:nvGrpSpPr>
+        <p:cNvPr id="1" name=""/>
+        <p:cNvGrpSpPr/>
+        <p:nvPr/>
+      </p:nvGrpSpPr>
+      <p:grpSpPr>
+        <a:xfrm>
+          <a:off x="0" y="0"/>
+          <a:ext cx="0" cy="0"/>
+          <a:chOff x="0" y="0"/>
+          <a:chExt cx="0" cy="0"/>
+        </a:xfrm>
+      </p:grpSpPr>
+      <p:sp>
+        <p:nvSpPr>
+          <p:cNvPr id="2" name="Folienbildplatzhalter 1"/>
+          <p:cNvSpPr>
+            <a:spLocks noGrp="1" noRot="1" noChangeAspect="1"/>
+          </p:cNvSpPr>
+          <p:nvPr>
+            <p:ph type="sldImg"/>
+          </p:nvPr>
+        </p:nvSpPr>
+        <p:spPr/>
+      </p:sp>
+      <p:sp>
+        <p:nvSpPr>
+          <p:cNvPr id="3" name="Notizenplatzhalter 2"/>
+          <p:cNvSpPr>
+            <a:spLocks noGrp="1"/>
+          </p:cNvSpPr>
+          <p:nvPr>
+            <p:ph type="body" idx="1"/>
+          </p:nvPr>
+        </p:nvSpPr>
+        <p:spPr/>
+        <p:txBody>
+          <a:bodyPr/>
+          <a:lstStyle/>
+          <a:p>
+            <a:r>
+              <a:rPr lang="de-DE" dirty="0" err="1" smtClean="0"/>
+              <a:t>nici</a:t>
+            </a:r>
+            <a:endParaRPr lang="de-DE" dirty="0" smtClean="0"/>
+          </a:p>
+        </p:txBody>
+      </p:sp>
+      <p:sp>
+        <p:nvSpPr>
+          <p:cNvPr id="4" name="Foliennummernplatzhalter 3"/>
+          <p:cNvSpPr>
+            <a:spLocks noGrp="1"/>
+          </p:cNvSpPr>
+          <p:nvPr>
+            <p:ph type="sldNum" sz="quarter" idx="10"/>
+          </p:nvPr>
+        </p:nvSpPr>
+        <p:spPr/>
+        <p:txBody>
+          <a:bodyPr/>
+          <a:lstStyle/>
+          <a:p>
+            <a:fld id="{A241AB73-963A-FC48-B41B-5F5D3E8CD38B}" type="slidenum">
+              <a:rPr lang="de-DE" smtClean="0"/>
+              <a:t>2</a:t>
+            </a:fld>
+            <a:endParaRPr lang="de-DE"/>
+          </a:p>
+        </p:txBody>
+      </p:sp>
+    </p:spTree>
+    <p:extLst>
+      <p:ext uri="{BB962C8B-B14F-4D97-AF65-F5344CB8AC3E}">
+        <p14:creationId xmlns:p14="http://schemas.microsoft.com/office/powerpoint/2010/main" val="2644814521"/>
+      </p:ext>
+    </p:extLst>
+  </p:cSld>
+  <p:clrMapOvr>
+    <a:masterClrMapping/>
+  </p:clrMapOvr>
+</p:notes>
+</file>
+
+<file path=ppt/notesSlides/notesSlide3.xml><?xml version="1.0" encoding="utf-8"?>
+<p:notes xmlns:a="http://schemas.openxmlformats.org/drawingml/2006/main" xmlns:r="http://schemas.openxmlformats.org/officeDocument/2006/relationships" xmlns:p="http://schemas.openxmlformats.org/presentationml/2006/main">
+  <p:cSld>
+    <p:spTree>
+      <p:nvGrpSpPr>
+        <p:cNvPr id="1" name=""/>
+        <p:cNvGrpSpPr/>
+        <p:nvPr/>
+      </p:nvGrpSpPr>
+      <p:grpSpPr>
+        <a:xfrm>
+          <a:off x="0" y="0"/>
+          <a:ext cx="0" cy="0"/>
+          <a:chOff x="0" y="0"/>
+          <a:chExt cx="0" cy="0"/>
+        </a:xfrm>
+      </p:grpSpPr>
+      <p:sp>
+        <p:nvSpPr>
+          <p:cNvPr id="2" name="Folienbildplatzhalter 1"/>
+          <p:cNvSpPr>
+            <a:spLocks noGrp="1" noRot="1" noChangeAspect="1"/>
+          </p:cNvSpPr>
+          <p:nvPr>
+            <p:ph type="sldImg"/>
+          </p:nvPr>
+        </p:nvSpPr>
+        <p:spPr/>
+      </p:sp>
+      <p:sp>
+        <p:nvSpPr>
+          <p:cNvPr id="3" name="Notizenplatzhalter 2"/>
+          <p:cNvSpPr>
+            <a:spLocks noGrp="1"/>
+          </p:cNvSpPr>
+          <p:nvPr>
+            <p:ph type="body" idx="1"/>
+          </p:nvPr>
+        </p:nvSpPr>
+        <p:spPr/>
+        <p:txBody>
+          <a:bodyPr/>
+          <a:lstStyle/>
+          <a:p>
+            <a:r>
+              <a:rPr lang="de-DE" dirty="0" err="1" smtClean="0"/>
+              <a:t>nici</a:t>
+            </a:r>
+            <a:endParaRPr lang="de-DE" dirty="0" smtClean="0"/>
+          </a:p>
+          <a:p>
+            <a:endParaRPr lang="de-DE" dirty="0"/>
+          </a:p>
+        </p:txBody>
+      </p:sp>
+      <p:sp>
+        <p:nvSpPr>
+          <p:cNvPr id="4" name="Foliennummernplatzhalter 3"/>
+          <p:cNvSpPr>
+            <a:spLocks noGrp="1"/>
+          </p:cNvSpPr>
+          <p:nvPr>
+            <p:ph type="sldNum" sz="quarter" idx="10"/>
+          </p:nvPr>
+        </p:nvSpPr>
+        <p:spPr/>
+        <p:txBody>
+          <a:bodyPr/>
+          <a:lstStyle/>
+          <a:p>
+            <a:fld id="{A241AB73-963A-FC48-B41B-5F5D3E8CD38B}" type="slidenum">
+              <a:rPr lang="de-DE" smtClean="0"/>
+              <a:t>3</a:t>
+            </a:fld>
+            <a:endParaRPr lang="de-DE"/>
+          </a:p>
+        </p:txBody>
+      </p:sp>
+    </p:spTree>
+    <p:extLst>
+      <p:ext uri="{BB962C8B-B14F-4D97-AF65-F5344CB8AC3E}">
+        <p14:creationId xmlns:p14="http://schemas.microsoft.com/office/powerpoint/2010/main" val="4166565447"/>
+      </p:ext>
+    </p:extLst>
+  </p:cSld>
+  <p:clrMapOvr>
+    <a:masterClrMapping/>
+  </p:clrMapOvr>
+</p:notes>
+</file>
+
+<file path=ppt/notesSlides/notesSlide4.xml><?xml version="1.0" encoding="utf-8"?>
+<p:notes xmlns:a="http://schemas.openxmlformats.org/drawingml/2006/main" xmlns:r="http://schemas.openxmlformats.org/officeDocument/2006/relationships" xmlns:p="http://schemas.openxmlformats.org/presentationml/2006/main">
+  <p:cSld>
+    <p:spTree>
+      <p:nvGrpSpPr>
+        <p:cNvPr id="1" name=""/>
+        <p:cNvGrpSpPr/>
+        <p:nvPr/>
+      </p:nvGrpSpPr>
+      <p:grpSpPr>
+        <a:xfrm>
+          <a:off x="0" y="0"/>
+          <a:ext cx="0" cy="0"/>
+          <a:chOff x="0" y="0"/>
+          <a:chExt cx="0" cy="0"/>
+        </a:xfrm>
+      </p:grpSpPr>
+      <p:sp>
+        <p:nvSpPr>
+          <p:cNvPr id="2" name="Folienbildplatzhalter 1"/>
+          <p:cNvSpPr>
+            <a:spLocks noGrp="1" noRot="1" noChangeAspect="1"/>
+          </p:cNvSpPr>
+          <p:nvPr>
+            <p:ph type="sldImg"/>
+          </p:nvPr>
+        </p:nvSpPr>
+        <p:spPr/>
+      </p:sp>
+      <p:sp>
+        <p:nvSpPr>
+          <p:cNvPr id="3" name="Notizenplatzhalter 2"/>
+          <p:cNvSpPr>
+            <a:spLocks noGrp="1"/>
+          </p:cNvSpPr>
+          <p:nvPr>
+            <p:ph type="body" idx="1"/>
+          </p:nvPr>
+        </p:nvSpPr>
+        <p:spPr/>
+        <p:txBody>
+          <a:bodyPr/>
+          <a:lstStyle/>
+          <a:p>
+            <a:r>
+              <a:rPr lang="de-DE" dirty="0" smtClean="0"/>
+              <a:t>simon</a:t>
+            </a:r>
+            <a:endParaRPr lang="de-DE" dirty="0"/>
+          </a:p>
+        </p:txBody>
+      </p:sp>
+      <p:sp>
+        <p:nvSpPr>
+          <p:cNvPr id="4" name="Foliennummernplatzhalter 3"/>
+          <p:cNvSpPr>
+            <a:spLocks noGrp="1"/>
+          </p:cNvSpPr>
+          <p:nvPr>
+            <p:ph type="sldNum" sz="quarter" idx="10"/>
+          </p:nvPr>
+        </p:nvSpPr>
+        <p:spPr/>
+        <p:txBody>
+          <a:bodyPr/>
+          <a:lstStyle/>
+          <a:p>
+            <a:fld id="{A241AB73-963A-FC48-B41B-5F5D3E8CD38B}" type="slidenum">
+              <a:rPr lang="de-DE" smtClean="0"/>
+              <a:t>4</a:t>
+            </a:fld>
+            <a:endParaRPr lang="de-DE"/>
+          </a:p>
+        </p:txBody>
+      </p:sp>
+    </p:spTree>
+    <p:extLst>
+      <p:ext uri="{BB962C8B-B14F-4D97-AF65-F5344CB8AC3E}">
+        <p14:creationId xmlns:p14="http://schemas.microsoft.com/office/powerpoint/2010/main" val="3317742458"/>
+      </p:ext>
+    </p:extLst>
+  </p:cSld>
+  <p:clrMapOvr>
+    <a:masterClrMapping/>
+  </p:clrMapOvr>
+</p:notes>
+</file>
+
+<file path=ppt/notesSlides/notesSlide5.xml><?xml version="1.0" encoding="utf-8"?>
+<p:notes xmlns:a="http://schemas.openxmlformats.org/drawingml/2006/main" xmlns:r="http://schemas.openxmlformats.org/officeDocument/2006/relationships" xmlns:p="http://schemas.openxmlformats.org/presentationml/2006/main">
+  <p:cSld>
+    <p:spTree>
+      <p:nvGrpSpPr>
+        <p:cNvPr id="1" name=""/>
+        <p:cNvGrpSpPr/>
+        <p:nvPr/>
+      </p:nvGrpSpPr>
+      <p:grpSpPr>
+        <a:xfrm>
+          <a:off x="0" y="0"/>
+          <a:ext cx="0" cy="0"/>
+          <a:chOff x="0" y="0"/>
+          <a:chExt cx="0" cy="0"/>
+        </a:xfrm>
+      </p:grpSpPr>
+      <p:sp>
+        <p:nvSpPr>
+          <p:cNvPr id="2" name="Folienbildplatzhalter 1"/>
+          <p:cNvSpPr>
+            <a:spLocks noGrp="1" noRot="1" noChangeAspect="1"/>
+          </p:cNvSpPr>
+          <p:nvPr>
+            <p:ph type="sldImg"/>
+          </p:nvPr>
+        </p:nvSpPr>
+        <p:spPr/>
+      </p:sp>
+      <p:sp>
+        <p:nvSpPr>
+          <p:cNvPr id="3" name="Notizenplatzhalter 2"/>
+          <p:cNvSpPr>
+            <a:spLocks noGrp="1"/>
+          </p:cNvSpPr>
+          <p:nvPr>
+            <p:ph type="body" idx="1"/>
+          </p:nvPr>
+        </p:nvSpPr>
+        <p:spPr/>
+        <p:txBody>
+          <a:bodyPr/>
+          <a:lstStyle/>
+          <a:p>
+            <a:r>
+              <a:rPr lang="de-DE" dirty="0" smtClean="0"/>
+              <a:t>simon</a:t>
+            </a:r>
+            <a:endParaRPr lang="de-DE" dirty="0"/>
+          </a:p>
+        </p:txBody>
+      </p:sp>
+      <p:sp>
+        <p:nvSpPr>
+          <p:cNvPr id="4" name="Foliennummernplatzhalter 3"/>
+          <p:cNvSpPr>
+            <a:spLocks noGrp="1"/>
+          </p:cNvSpPr>
+          <p:nvPr>
+            <p:ph type="sldNum" sz="quarter" idx="10"/>
+          </p:nvPr>
+        </p:nvSpPr>
+        <p:spPr/>
+        <p:txBody>
+          <a:bodyPr/>
+          <a:lstStyle/>
+          <a:p>
+            <a:fld id="{A241AB73-963A-FC48-B41B-5F5D3E8CD38B}" type="slidenum">
+              <a:rPr lang="de-DE" smtClean="0"/>
+              <a:t>5</a:t>
+            </a:fld>
+            <a:endParaRPr lang="de-DE"/>
+          </a:p>
+        </p:txBody>
+      </p:sp>
+    </p:spTree>
+    <p:extLst>
+      <p:ext uri="{BB962C8B-B14F-4D97-AF65-F5344CB8AC3E}">
+        <p14:creationId xmlns:p14="http://schemas.microsoft.com/office/powerpoint/2010/main" val="3906430335"/>
+      </p:ext>
+    </p:extLst>
+  </p:cSld>
+  <p:clrMapOvr>
+    <a:masterClrMapping/>
+  </p:clrMapOvr>
+</p:notes>
+</file>
+
+<file path=ppt/notesSlides/notesSlide6.xml><?xml version="1.0" encoding="utf-8"?>
+<p:notes xmlns:a="http://schemas.openxmlformats.org/drawingml/2006/main" xmlns:r="http://schemas.openxmlformats.org/officeDocument/2006/relationships" xmlns:p="http://schemas.openxmlformats.org/presentationml/2006/main">
+  <p:cSld>
+    <p:spTree>
+      <p:nvGrpSpPr>
+        <p:cNvPr id="1" name=""/>
+        <p:cNvGrpSpPr/>
+        <p:nvPr/>
+      </p:nvGrpSpPr>
+      <p:grpSpPr>
+        <a:xfrm>
+          <a:off x="0" y="0"/>
+          <a:ext cx="0" cy="0"/>
+          <a:chOff x="0" y="0"/>
+          <a:chExt cx="0" cy="0"/>
+        </a:xfrm>
+      </p:grpSpPr>
+      <p:sp>
+        <p:nvSpPr>
+          <p:cNvPr id="2" name="Folienbildplatzhalter 1"/>
+          <p:cNvSpPr>
+            <a:spLocks noGrp="1" noRot="1" noChangeAspect="1"/>
+          </p:cNvSpPr>
+          <p:nvPr>
+            <p:ph type="sldImg"/>
+          </p:nvPr>
+        </p:nvSpPr>
+        <p:spPr/>
+      </p:sp>
+      <p:sp>
+        <p:nvSpPr>
+          <p:cNvPr id="3" name="Notizenplatzhalter 2"/>
+          <p:cNvSpPr>
+            <a:spLocks noGrp="1"/>
+          </p:cNvSpPr>
+          <p:nvPr>
+            <p:ph type="body" idx="1"/>
+          </p:nvPr>
+        </p:nvSpPr>
+        <p:spPr/>
+        <p:txBody>
+          <a:bodyPr/>
+          <a:lstStyle/>
+          <a:p>
+            <a:r>
+              <a:rPr lang="de-DE" dirty="0" smtClean="0"/>
+              <a:t>simon</a:t>
+            </a:r>
+            <a:endParaRPr lang="de-DE" dirty="0"/>
+          </a:p>
+        </p:txBody>
+      </p:sp>
+      <p:sp>
+        <p:nvSpPr>
+          <p:cNvPr id="4" name="Foliennummernplatzhalter 3"/>
+          <p:cNvSpPr>
+            <a:spLocks noGrp="1"/>
+          </p:cNvSpPr>
+          <p:nvPr>
+            <p:ph type="sldNum" sz="quarter" idx="10"/>
+          </p:nvPr>
+        </p:nvSpPr>
+        <p:spPr/>
+        <p:txBody>
+          <a:bodyPr/>
+          <a:lstStyle/>
+          <a:p>
+            <a:fld id="{A241AB73-963A-FC48-B41B-5F5D3E8CD38B}" type="slidenum">
+              <a:rPr lang="de-DE" smtClean="0"/>
+              <a:t>6</a:t>
+            </a:fld>
+            <a:endParaRPr lang="de-DE"/>
+          </a:p>
+        </p:txBody>
+      </p:sp>
+    </p:spTree>
+    <p:extLst>
+      <p:ext uri="{BB962C8B-B14F-4D97-AF65-F5344CB8AC3E}">
+        <p14:creationId xmlns:p14="http://schemas.microsoft.com/office/powerpoint/2010/main" val="1045853704"/>
+      </p:ext>
+    </p:extLst>
+  </p:cSld>
+  <p:clrMapOvr>
+    <a:masterClrMapping/>
+  </p:clrMapOvr>
+</p:notes>
+</file>
+
+<file path=ppt/notesSlides/notesSlide7.xml><?xml version="1.0" encoding="utf-8"?>
+<p:notes xmlns:a="http://schemas.openxmlformats.org/drawingml/2006/main" xmlns:r="http://schemas.openxmlformats.org/officeDocument/2006/relationships" xmlns:p="http://schemas.openxmlformats.org/presentationml/2006/main">
+  <p:cSld>
+    <p:spTree>
+      <p:nvGrpSpPr>
+        <p:cNvPr id="1" name=""/>
+        <p:cNvGrpSpPr/>
+        <p:nvPr/>
+      </p:nvGrpSpPr>
+      <p:grpSpPr>
+        <a:xfrm>
+          <a:off x="0" y="0"/>
+          <a:ext cx="0" cy="0"/>
+          <a:chOff x="0" y="0"/>
+          <a:chExt cx="0" cy="0"/>
+        </a:xfrm>
+      </p:grpSpPr>
+      <p:sp>
+        <p:nvSpPr>
+          <p:cNvPr id="2" name="Folienbildplatzhalter 1"/>
+          <p:cNvSpPr>
+            <a:spLocks noGrp="1" noRot="1" noChangeAspect="1"/>
+          </p:cNvSpPr>
+          <p:nvPr>
+            <p:ph type="sldImg"/>
+          </p:nvPr>
+        </p:nvSpPr>
+        <p:spPr/>
+      </p:sp>
+      <p:sp>
+        <p:nvSpPr>
+          <p:cNvPr id="3" name="Notizenplatzhalter 2"/>
+          <p:cNvSpPr>
+            <a:spLocks noGrp="1"/>
+          </p:cNvSpPr>
+          <p:nvPr>
+            <p:ph type="body" idx="1"/>
+          </p:nvPr>
+        </p:nvSpPr>
+        <p:spPr/>
+        <p:txBody>
+          <a:bodyPr/>
+          <a:lstStyle/>
+          <a:p>
+            <a:r>
+              <a:rPr lang="de-DE" dirty="0" smtClean="0"/>
+              <a:t>simon</a:t>
+            </a:r>
+            <a:endParaRPr lang="de-DE" dirty="0"/>
+          </a:p>
+        </p:txBody>
+      </p:sp>
+      <p:sp>
+        <p:nvSpPr>
+          <p:cNvPr id="4" name="Foliennummernplatzhalter 3"/>
+          <p:cNvSpPr>
+            <a:spLocks noGrp="1"/>
+          </p:cNvSpPr>
+          <p:nvPr>
+            <p:ph type="sldNum" sz="quarter" idx="10"/>
+          </p:nvPr>
+        </p:nvSpPr>
+        <p:spPr/>
+        <p:txBody>
+          <a:bodyPr/>
+          <a:lstStyle/>
+          <a:p>
+            <a:fld id="{A241AB73-963A-FC48-B41B-5F5D3E8CD38B}" type="slidenum">
+              <a:rPr lang="de-DE" smtClean="0"/>
+              <a:t>7</a:t>
+            </a:fld>
+            <a:endParaRPr lang="de-DE"/>
+          </a:p>
+        </p:txBody>
+      </p:sp>
+    </p:spTree>
+    <p:extLst>
+      <p:ext uri="{BB962C8B-B14F-4D97-AF65-F5344CB8AC3E}">
+        <p14:creationId xmlns:p14="http://schemas.microsoft.com/office/powerpoint/2010/main" val="472769974"/>
+      </p:ext>
+    </p:extLst>
+  </p:cSld>
+  <p:clrMapOvr>
+    <a:masterClrMapping/>
+  </p:clrMapOvr>
+</p:notes>
+</file>
+
+<file path=ppt/notesSlides/notesSlide8.xml><?xml version="1.0" encoding="utf-8"?>
+<p:notes xmlns:a="http://schemas.openxmlformats.org/drawingml/2006/main" xmlns:r="http://schemas.openxmlformats.org/officeDocument/2006/relationships" xmlns:p="http://schemas.openxmlformats.org/presentationml/2006/main">
+  <p:cSld>
+    <p:spTree>
+      <p:nvGrpSpPr>
+        <p:cNvPr id="1" name=""/>
+        <p:cNvGrpSpPr/>
+        <p:nvPr/>
+      </p:nvGrpSpPr>
+      <p:grpSpPr>
+        <a:xfrm>
+          <a:off x="0" y="0"/>
+          <a:ext cx="0" cy="0"/>
+          <a:chOff x="0" y="0"/>
+          <a:chExt cx="0" cy="0"/>
+        </a:xfrm>
+      </p:grpSpPr>
+      <p:sp>
+        <p:nvSpPr>
+          <p:cNvPr id="2" name="Folienbildplatzhalter 1"/>
+          <p:cNvSpPr>
+            <a:spLocks noGrp="1" noRot="1" noChangeAspect="1"/>
+          </p:cNvSpPr>
+          <p:nvPr>
+            <p:ph type="sldImg"/>
+          </p:nvPr>
+        </p:nvSpPr>
+        <p:spPr/>
+      </p:sp>
+      <p:sp>
+        <p:nvSpPr>
+          <p:cNvPr id="3" name="Notizenplatzhalter 2"/>
+          <p:cNvSpPr>
+            <a:spLocks noGrp="1"/>
+          </p:cNvSpPr>
+          <p:nvPr>
+            <p:ph type="body" idx="1"/>
+          </p:nvPr>
+        </p:nvSpPr>
+        <p:spPr/>
+        <p:txBody>
+          <a:bodyPr/>
+          <a:lstStyle/>
+          <a:p>
+            <a:r>
+              <a:rPr lang="de-DE" dirty="0" smtClean="0"/>
+              <a:t>simon</a:t>
+            </a:r>
+            <a:endParaRPr lang="de-DE" dirty="0"/>
+          </a:p>
+        </p:txBody>
+      </p:sp>
+      <p:sp>
+        <p:nvSpPr>
+          <p:cNvPr id="4" name="Foliennummernplatzhalter 3"/>
+          <p:cNvSpPr>
+            <a:spLocks noGrp="1"/>
+          </p:cNvSpPr>
+          <p:nvPr>
+            <p:ph type="sldNum" sz="quarter" idx="10"/>
+          </p:nvPr>
+        </p:nvSpPr>
+        <p:spPr/>
+        <p:txBody>
+          <a:bodyPr/>
+          <a:lstStyle/>
+          <a:p>
+            <a:fld id="{A241AB73-963A-FC48-B41B-5F5D3E8CD38B}" type="slidenum">
+              <a:rPr lang="de-DE" smtClean="0"/>
+              <a:t>8</a:t>
+            </a:fld>
+            <a:endParaRPr lang="de-DE"/>
+          </a:p>
+        </p:txBody>
+      </p:sp>
+    </p:spTree>
+    <p:extLst>
+      <p:ext uri="{BB962C8B-B14F-4D97-AF65-F5344CB8AC3E}">
+        <p14:creationId xmlns:p14="http://schemas.microsoft.com/office/powerpoint/2010/main" val="2128051814"/>
+      </p:ext>
+    </p:extLst>
+  </p:cSld>
+  <p:clrMapOvr>
+    <a:masterClrMapping/>
+  </p:clrMapOvr>
+</p:notes>
+</file>
+
+<file path=ppt/notesSlides/notesSlide9.xml><?xml version="1.0" encoding="utf-8"?>
+<p:notes xmlns:a="http://schemas.openxmlformats.org/drawingml/2006/main" xmlns:r="http://schemas.openxmlformats.org/officeDocument/2006/relationships" xmlns:p="http://schemas.openxmlformats.org/presentationml/2006/main">
+  <p:cSld>
+    <p:spTree>
+      <p:nvGrpSpPr>
+        <p:cNvPr id="1" name=""/>
+        <p:cNvGrpSpPr/>
+        <p:nvPr/>
+      </p:nvGrpSpPr>
+      <p:grpSpPr>
+        <a:xfrm>
+          <a:off x="0" y="0"/>
+          <a:ext cx="0" cy="0"/>
+          <a:chOff x="0" y="0"/>
+          <a:chExt cx="0" cy="0"/>
+        </a:xfrm>
+      </p:grpSpPr>
+      <p:sp>
+        <p:nvSpPr>
+          <p:cNvPr id="2" name="Folienbildplatzhalter 1"/>
+          <p:cNvSpPr>
+            <a:spLocks noGrp="1" noRot="1" noChangeAspect="1"/>
+          </p:cNvSpPr>
+          <p:nvPr>
+            <p:ph type="sldImg"/>
+          </p:nvPr>
+        </p:nvSpPr>
+        <p:spPr/>
+      </p:sp>
+      <p:sp>
+        <p:nvSpPr>
+          <p:cNvPr id="3" name="Notizenplatzhalter 2"/>
+          <p:cNvSpPr>
+            <a:spLocks noGrp="1"/>
+          </p:cNvSpPr>
+          <p:nvPr>
+            <p:ph type="body" idx="1"/>
+          </p:nvPr>
+        </p:nvSpPr>
+        <p:spPr/>
+        <p:txBody>
+          <a:bodyPr/>
+          <a:lstStyle/>
+          <a:p>
+            <a:r>
+              <a:rPr lang="de-DE" dirty="0" err="1" smtClean="0"/>
+              <a:t>michi</a:t>
+            </a:r>
+            <a:endParaRPr lang="de-DE" dirty="0"/>
+          </a:p>
+        </p:txBody>
+      </p:sp>
+      <p:sp>
+        <p:nvSpPr>
+          <p:cNvPr id="4" name="Foliennummernplatzhalter 3"/>
+          <p:cNvSpPr>
+            <a:spLocks noGrp="1"/>
+          </p:cNvSpPr>
+          <p:nvPr>
+            <p:ph type="sldNum" sz="quarter" idx="10"/>
+          </p:nvPr>
+        </p:nvSpPr>
+        <p:spPr/>
+        <p:txBody>
+          <a:bodyPr/>
+          <a:lstStyle/>
+          <a:p>
+            <a:fld id="{A241AB73-963A-FC48-B41B-5F5D3E8CD38B}" type="slidenum">
+              <a:rPr lang="de-DE" smtClean="0"/>
+              <a:t>9</a:t>
+            </a:fld>
+            <a:endParaRPr lang="de-DE"/>
+          </a:p>
+        </p:txBody>
+      </p:sp>
+    </p:spTree>
+    <p:extLst>
+      <p:ext uri="{BB962C8B-B14F-4D97-AF65-F5344CB8AC3E}">
+        <p14:creationId xmlns:p14="http://schemas.microsoft.com/office/powerpoint/2010/main" val="422712304"/>
+      </p:ext>
+    </p:extLst>
+  </p:cSld>
+  <p:clrMapOvr>
+    <a:masterClrMapping/>
+  </p:clrMapOvr>
+</p:notes>
 </file>
 
 <file path=ppt/slideLayouts/slideLayout1.xml><?xml version="1.0" encoding="utf-8"?>
@@ -1661,7 +2896,7 @@
           <a:p>
             <a:r>
               <a:rPr lang="de-DE" smtClean="0"/>
-              <a:t>wikihistorybook - Abschlusspräsentation</a:t>
+              <a:t>wikihistorybook - final presentation</a:t>
             </a:r>
             <a:endParaRPr lang="de-DE"/>
           </a:p>
@@ -1822,7 +3057,7 @@
           <a:p>
             <a:r>
               <a:rPr lang="de-DE" smtClean="0"/>
-              <a:t>wikihistorybook - Abschlusspräsentation</a:t>
+              <a:t>wikihistorybook - final presentation</a:t>
             </a:r>
             <a:endParaRPr lang="de-DE"/>
           </a:p>
@@ -2029,7 +3264,7 @@
           <a:p>
             <a:r>
               <a:rPr lang="de-DE" smtClean="0"/>
-              <a:t>wikihistorybook - Abschlusspräsentation</a:t>
+              <a:t>wikihistorybook - final presentation</a:t>
             </a:r>
             <a:endParaRPr lang="de-DE"/>
           </a:p>
@@ -2460,7 +3695,7 @@
           <a:p>
             <a:r>
               <a:rPr lang="de-DE" smtClean="0"/>
-              <a:t>wikihistorybook - Abschlusspräsentation</a:t>
+              <a:t>wikihistorybook - final presentation</a:t>
             </a:r>
             <a:endParaRPr lang="de-DE"/>
           </a:p>
@@ -2771,7 +4006,7 @@
           <a:p>
             <a:r>
               <a:rPr lang="de-DE" smtClean="0"/>
-              <a:t>wikihistorybook - Abschlusspräsentation</a:t>
+              <a:t>wikihistorybook - final presentation</a:t>
             </a:r>
             <a:endParaRPr lang="de-DE"/>
           </a:p>
@@ -3405,7 +4640,7 @@
           <a:p>
             <a:r>
               <a:rPr lang="de-DE" smtClean="0"/>
-              <a:t>wikihistorybook - Abschlusspräsentation</a:t>
+              <a:t>wikihistorybook - final presentation</a:t>
             </a:r>
             <a:endParaRPr lang="de-DE"/>
           </a:p>
@@ -3735,7 +4970,7 @@
           <a:p>
             <a:r>
               <a:rPr lang="de-DE" smtClean="0"/>
-              <a:t>wikihistorybook - Abschlusspräsentation</a:t>
+              <a:t>wikihistorybook - final presentation</a:t>
             </a:r>
             <a:endParaRPr lang="de-DE"/>
           </a:p>
@@ -4031,7 +5266,7 @@
           <a:p>
             <a:r>
               <a:rPr lang="de-DE" smtClean="0"/>
-              <a:t>wikihistorybook - Abschlusspräsentation</a:t>
+              <a:t>wikihistorybook - final presentation</a:t>
             </a:r>
             <a:endParaRPr lang="de-DE" dirty="0"/>
           </a:p>
@@ -4334,7 +5569,7 @@
           <a:p>
             <a:r>
               <a:rPr lang="de-DE" smtClean="0"/>
-              <a:t>wikihistorybook - Abschlusspräsentation</a:t>
+              <a:t>wikihistorybook - final presentation</a:t>
             </a:r>
             <a:endParaRPr lang="de-DE"/>
           </a:p>
@@ -4599,7 +5834,7 @@
           <a:p>
             <a:r>
               <a:rPr lang="de-DE" smtClean="0"/>
-              <a:t>wikihistorybook - Abschlusspräsentation</a:t>
+              <a:t>wikihistorybook - final presentation</a:t>
             </a:r>
             <a:endParaRPr lang="de-DE"/>
           </a:p>
@@ -4804,7 +6039,7 @@
           <a:p>
             <a:r>
               <a:rPr lang="de-DE" smtClean="0"/>
-              <a:t>wikihistorybook - Abschlusspräsentation</a:t>
+              <a:t>wikihistorybook - final presentation</a:t>
             </a:r>
             <a:endParaRPr lang="de-DE" dirty="0"/>
           </a:p>
@@ -5193,7 +6428,15 @@
           <a:p>
             <a:r>
               <a:rPr lang="de-DE" dirty="0" smtClean="0"/>
-              <a:t>Abschlusspräsentation </a:t>
+              <a:t>Final </a:t>
+            </a:r>
+            <a:r>
+              <a:rPr lang="de-DE" dirty="0" err="1" smtClean="0"/>
+              <a:t>presentation</a:t>
+            </a:r>
+            <a:r>
+              <a:rPr lang="de-DE" dirty="0" smtClean="0"/>
+              <a:t> </a:t>
             </a:r>
             <a:r>
               <a:rPr lang="de-DE" dirty="0" err="1" smtClean="0"/>
@@ -5201,7 +6444,11 @@
             </a:r>
             <a:r>
               <a:rPr lang="de-DE" dirty="0" smtClean="0"/>
-              <a:t> Seminar</a:t>
+              <a:t> </a:t>
+            </a:r>
+            <a:r>
+              <a:rPr lang="de-DE" dirty="0" smtClean="0"/>
+              <a:t>Seminar</a:t>
             </a:r>
             <a:endParaRPr lang="de-DE" dirty="0"/>
           </a:p>
@@ -5261,7 +6508,7 @@
           <a:p>
             <a:r>
               <a:rPr lang="de-DE" smtClean="0"/>
-              <a:t>wikihistorybook - Abschlusspräsentation</a:t>
+              <a:t>wikihistorybook - final presentation</a:t>
             </a:r>
             <a:endParaRPr lang="de-DE" dirty="0"/>
           </a:p>
@@ -5299,7 +6546,7 @@
           <p:nvPr/>
         </p:nvPicPr>
         <p:blipFill>
-          <a:blip r:embed="rId2">
+          <a:blip r:embed="rId3">
             <a:extLst>
               <a:ext uri="{28A0092B-C50C-407E-A947-70E740481C1C}">
                 <a14:useLocalDpi xmlns:a14="http://schemas.microsoft.com/office/drawing/2010/main" val="0"/>
@@ -5341,7 +6588,7 @@
           <p:nvPr/>
         </p:nvPicPr>
         <p:blipFill rotWithShape="1">
-          <a:blip r:embed="rId3">
+          <a:blip r:embed="rId4">
             <a:extLst>
               <a:ext uri="{28A0092B-C50C-407E-A947-70E740481C1C}">
                 <a14:useLocalDpi xmlns:a14="http://schemas.microsoft.com/office/drawing/2010/main" val="0"/>
@@ -5382,7 +6629,7 @@
           <p:nvPr/>
         </p:nvPicPr>
         <p:blipFill>
-          <a:blip r:embed="rId4">
+          <a:blip r:embed="rId5">
             <a:extLst>
               <a:ext uri="{28A0092B-C50C-407E-A947-70E740481C1C}">
                 <a14:useLocalDpi xmlns:a14="http://schemas.microsoft.com/office/drawing/2010/main" val="0"/>
@@ -5462,7 +6709,11 @@
           <a:p>
             <a:r>
               <a:rPr lang="de-DE" dirty="0" smtClean="0"/>
-              <a:t>Ergebnisse</a:t>
+              <a:t>Main </a:t>
+            </a:r>
+            <a:r>
+              <a:rPr lang="de-DE" dirty="0" err="1" smtClean="0"/>
+              <a:t>results</a:t>
             </a:r>
             <a:endParaRPr lang="de-DE" dirty="0"/>
           </a:p>
@@ -5485,41 +6736,93 @@
           <a:p>
             <a:r>
               <a:rPr lang="de-DE" dirty="0" smtClean="0"/>
-              <a:t>Anforderungen erfüllt</a:t>
-            </a:r>
-          </a:p>
-          <a:p>
+              <a:t>Requirements </a:t>
+            </a:r>
             <a:r>
               <a:rPr lang="de-DE" dirty="0" err="1" smtClean="0"/>
-              <a:t>Mousedragging</a:t>
-            </a:r>
+              <a:t>fulfilled</a:t>
+            </a:r>
+            <a:endParaRPr lang="de-DE" dirty="0" smtClean="0"/>
+          </a:p>
+          <a:p>
             <a:r>
               <a:rPr lang="de-DE" dirty="0" smtClean="0"/>
-              <a:t>...</a:t>
-            </a:r>
-          </a:p>
-          <a:p>
+              <a:t>„Movie“ was not </a:t>
+            </a:r>
+            <a:r>
+              <a:rPr lang="de-DE" dirty="0" err="1" smtClean="0"/>
+              <a:t>implementable</a:t>
+            </a:r>
+            <a:endParaRPr lang="de-DE" dirty="0" smtClean="0"/>
+          </a:p>
+          <a:p>
+            <a:pPr lvl="1"/>
+            <a:r>
+              <a:rPr lang="de-DE" dirty="0" err="1" smtClean="0"/>
+              <a:t>Huge</a:t>
+            </a:r>
             <a:r>
               <a:rPr lang="de-DE" dirty="0" smtClean="0"/>
-              <a:t>„Film“ nicht realisierbar</a:t>
+              <a:t> </a:t>
+            </a:r>
+            <a:r>
+              <a:rPr lang="de-DE" dirty="0" err="1" smtClean="0"/>
+              <a:t>amount</a:t>
+            </a:r>
+            <a:r>
+              <a:rPr lang="de-DE" dirty="0" smtClean="0"/>
+              <a:t> </a:t>
+            </a:r>
+            <a:r>
+              <a:rPr lang="de-DE" dirty="0" err="1" smtClean="0"/>
+              <a:t>of</a:t>
+            </a:r>
+            <a:r>
+              <a:rPr lang="de-DE" dirty="0" smtClean="0"/>
+              <a:t> </a:t>
+            </a:r>
+            <a:r>
+              <a:rPr lang="de-DE" dirty="0" err="1" smtClean="0"/>
+              <a:t>data</a:t>
+            </a:r>
+            <a:r>
+              <a:rPr lang="de-DE" dirty="0" smtClean="0"/>
+              <a:t> </a:t>
+            </a:r>
+            <a:r>
+              <a:rPr lang="de-DE" dirty="0" smtClean="0"/>
+              <a:t>(</a:t>
+            </a:r>
+            <a:r>
+              <a:rPr lang="de-DE" dirty="0" smtClean="0"/>
+              <a:t>Performance)</a:t>
             </a:r>
           </a:p>
           <a:p>
             <a:pPr lvl="1"/>
             <a:r>
+              <a:rPr lang="de-DE" dirty="0" smtClean="0"/>
+              <a:t>Not flexible </a:t>
+            </a:r>
+            <a:r>
               <a:rPr lang="de-DE" dirty="0" err="1" smtClean="0"/>
-              <a:t>Grosse</a:t>
+              <a:t>for</a:t>
             </a:r>
             <a:r>
               <a:rPr lang="de-DE" dirty="0" smtClean="0"/>
-              <a:t> Datenmenge (Performance)</a:t>
-            </a:r>
-          </a:p>
-          <a:p>
-            <a:pPr lvl="1"/>
+              <a:t> </a:t>
+            </a:r>
+            <a:r>
+              <a:rPr lang="de-DE" dirty="0" err="1" smtClean="0"/>
+              <a:t>future</a:t>
+            </a:r>
             <a:r>
               <a:rPr lang="de-DE" dirty="0" smtClean="0"/>
-              <a:t>Unflexibel</a:t>
+              <a:t> </a:t>
+            </a:r>
+            <a:r>
+              <a:rPr lang="de-DE" dirty="0" err="1" smtClean="0"/>
+              <a:t>articles</a:t>
             </a:r>
             <a:endParaRPr lang="de-DE" dirty="0"/>
           </a:p>
@@ -5542,7 +6845,7 @@
           <a:p>
             <a:r>
               <a:rPr lang="de-DE" smtClean="0"/>
-              <a:t>wikihistorybook - Abschlusspräsentation</a:t>
+              <a:t>wikihistorybook - final presentation</a:t>
             </a:r>
             <a:endParaRPr lang="de-DE"/>
           </a:p>
@@ -5618,7 +6921,7 @@
           <a:p>
             <a:r>
               <a:rPr lang="de-DE" smtClean="0"/>
-              <a:t>wikihistorybook - Abschlusspräsentation</a:t>
+              <a:t>wikihistorybook - final presentation</a:t>
             </a:r>
             <a:endParaRPr lang="de-DE" dirty="0"/>
           </a:p>
@@ -5650,7 +6953,7 @@
       <p:pic>
         <p:nvPicPr>
           <p:cNvPr id="4" name="Bild 3" descr="Bildschirmfoto 2014-06-16 um 11.22.57.png">
-            <a:hlinkClick r:id="rId2" action="ppaction://hlinkfile"/>
+            <a:hlinkClick r:id="rId3" action="ppaction://hlinkfile"/>
           </p:cNvPr>
           <p:cNvPicPr>
             <a:picLocks noChangeAspect="1"/>
@@ -5658,7 +6961,7 @@
           <p:nvPr/>
         </p:nvPicPr>
         <p:blipFill>
-          <a:blip r:embed="rId3">
+          <a:blip r:embed="rId4">
             <a:extLst>
               <a:ext uri="{28A0092B-C50C-407E-A947-70E740481C1C}">
                 <a14:useLocalDpi xmlns:a14="http://schemas.microsoft.com/office/drawing/2010/main" val="0"/>
@@ -5725,8 +7028,8 @@
           <a:lstStyle/>
           <a:p>
             <a:r>
-              <a:rPr lang="de-DE" dirty="0" smtClean="0"/>
-              <a:t>Retrospektive</a:t>
+              <a:rPr lang="de-DE" dirty="0" err="1" smtClean="0"/>
+              <a:t>Retrospective</a:t>
             </a:r>
             <a:endParaRPr lang="de-DE" dirty="0"/>
           </a:p>
@@ -5753,36 +7056,106 @@
             </a:r>
             <a:r>
               <a:rPr lang="de-DE" dirty="0" smtClean="0"/>
-              <a:t> manchmal mühsam</a:t>
-            </a:r>
-          </a:p>
-          <a:p>
+              <a:t> </a:t>
+            </a:r>
+            <a:r>
+              <a:rPr lang="de-DE" dirty="0" err="1" smtClean="0"/>
+              <a:t>sometimes</a:t>
+            </a:r>
             <a:r>
               <a:rPr lang="de-DE" dirty="0" smtClean="0"/>
-              <a:t>Alle </a:t>
-            </a:r>
-            <a:r>
-              <a:rPr lang="de-DE" dirty="0"/>
-              <a:t>S</a:t>
-            </a:r>
+              <a:t> </a:t>
+            </a:r>
+            <a:r>
+              <a:rPr lang="de-DE" dirty="0" err="1" smtClean="0"/>
+              <a:t>annoying</a:t>
+            </a:r>
+            <a:endParaRPr lang="de-DE" dirty="0" smtClean="0"/>
+          </a:p>
+          <a:p>
             <a:r>
               <a:rPr lang="de-DE" dirty="0" smtClean="0"/>
-              <a:t>tatusreports jede </a:t>
-            </a:r>
-            <a:r>
-              <a:rPr lang="de-DE" dirty="0"/>
-              <a:t>W</a:t>
+              <a:t>All Status-Reports </a:t>
+            </a:r>
+            <a:r>
+              <a:rPr lang="de-DE" dirty="0" err="1" smtClean="0"/>
+              <a:t>every</a:t>
             </a:r>
             <a:r>
               <a:rPr lang="de-DE" dirty="0" smtClean="0"/>
-              <a:t>oche: zeitraubend</a:t>
-            </a:r>
-          </a:p>
-          <a:p>
+              <a:t> </a:t>
+            </a:r>
+            <a:r>
+              <a:rPr lang="de-DE" dirty="0" err="1" smtClean="0"/>
+              <a:t>week</a:t>
+            </a:r>
             <a:r>
               <a:rPr lang="de-DE" dirty="0" smtClean="0"/>
-              <a:t>5:1 – bessere Mischung</a:t>
-            </a:r>
+              <a:t>: time </a:t>
+            </a:r>
+            <a:r>
+              <a:rPr lang="de-DE" dirty="0" err="1" smtClean="0"/>
+              <a:t>consuming</a:t>
+            </a:r>
+            <a:endParaRPr lang="de-DE" dirty="0" smtClean="0"/>
+          </a:p>
+          <a:p>
+            <a:r>
+              <a:rPr lang="de-DE" dirty="0" smtClean="0"/>
+              <a:t>5:1 – </a:t>
+            </a:r>
+            <a:r>
+              <a:rPr lang="de-DE" dirty="0" err="1" smtClean="0"/>
+              <a:t>better</a:t>
+            </a:r>
+            <a:r>
+              <a:rPr lang="de-DE" dirty="0" smtClean="0"/>
+              <a:t> </a:t>
+            </a:r>
+            <a:r>
+              <a:rPr lang="de-DE" dirty="0" err="1" smtClean="0"/>
+              <a:t>mixture</a:t>
+            </a:r>
+            <a:r>
+              <a:rPr lang="de-DE" dirty="0" smtClean="0"/>
+              <a:t> </a:t>
+            </a:r>
+            <a:r>
+              <a:rPr lang="de-DE" dirty="0" err="1" smtClean="0"/>
+              <a:t>of</a:t>
+            </a:r>
+            <a:r>
+              <a:rPr lang="de-DE" dirty="0" smtClean="0"/>
+              <a:t> </a:t>
+            </a:r>
+            <a:r>
+              <a:rPr lang="de-DE" dirty="0" err="1" smtClean="0"/>
+              <a:t>students</a:t>
+            </a:r>
+            <a:endParaRPr lang="de-DE" dirty="0" smtClean="0"/>
+          </a:p>
+          <a:p>
+            <a:r>
+              <a:rPr lang="de-DE" dirty="0" err="1" smtClean="0"/>
+              <a:t>Got</a:t>
+            </a:r>
+            <a:r>
+              <a:rPr lang="de-DE" dirty="0" smtClean="0"/>
+              <a:t> out </a:t>
+            </a:r>
+            <a:r>
+              <a:rPr lang="de-DE" dirty="0" err="1" smtClean="0"/>
+              <a:t>maximum</a:t>
+            </a:r>
+            <a:r>
+              <a:rPr lang="de-DE" dirty="0" smtClean="0"/>
+              <a:t> in limited time </a:t>
+            </a:r>
+            <a:r>
+              <a:rPr lang="de-DE" dirty="0" err="1" smtClean="0"/>
+              <a:t>frame</a:t>
+            </a:r>
+            <a:endParaRPr lang="de-DE" dirty="0" smtClean="0"/>
           </a:p>
         </p:txBody>
       </p:sp>
@@ -5803,7 +7176,7 @@
           <a:p>
             <a:r>
               <a:rPr lang="de-DE" smtClean="0"/>
-              <a:t>wikihistorybook - Abschlusspräsentation</a:t>
+              <a:t>wikihistorybook - final presentation</a:t>
             </a:r>
             <a:endParaRPr lang="de-DE"/>
           </a:p>
@@ -5909,8 +7282,56 @@
           <a:lstStyle/>
           <a:p>
             <a:r>
+              <a:rPr lang="de-DE" dirty="0" err="1" smtClean="0"/>
+              <a:t>We</a:t>
+            </a:r>
+            <a:r>
               <a:rPr lang="de-DE" dirty="0" smtClean="0"/>
-              <a:t>Gerne beantworten wir gute Fragen...</a:t>
+              <a:t> </a:t>
+            </a:r>
+            <a:r>
+              <a:rPr lang="de-DE" dirty="0" err="1" smtClean="0"/>
+              <a:t>love</a:t>
+            </a:r>
+            <a:r>
+              <a:rPr lang="de-DE" dirty="0" smtClean="0"/>
+              <a:t> </a:t>
+            </a:r>
+            <a:r>
+              <a:rPr lang="de-DE" dirty="0" err="1" smtClean="0"/>
+              <a:t>to</a:t>
+            </a:r>
+            <a:r>
+              <a:rPr lang="de-DE" dirty="0" smtClean="0"/>
+              <a:t> </a:t>
+            </a:r>
+            <a:r>
+              <a:rPr lang="de-DE" dirty="0" err="1" smtClean="0"/>
+              <a:t>answer</a:t>
+            </a:r>
+            <a:r>
+              <a:rPr lang="de-DE" dirty="0" smtClean="0"/>
+              <a:t> </a:t>
+            </a:r>
+            <a:r>
+              <a:rPr lang="de-DE" dirty="0" err="1" smtClean="0"/>
+              <a:t>your</a:t>
+            </a:r>
+            <a:r>
+              <a:rPr lang="de-DE" dirty="0" smtClean="0"/>
+              <a:t> </a:t>
+            </a:r>
+            <a:r>
+              <a:rPr lang="de-DE" dirty="0" err="1" smtClean="0"/>
+              <a:t>questions</a:t>
+            </a:r>
+            <a:r>
+              <a:rPr lang="de-DE" dirty="0" smtClean="0"/>
+              <a:t> </a:t>
+            </a:r>
+            <a:r>
+              <a:rPr lang="de-DE" dirty="0" err="1" smtClean="0"/>
+              <a:t>now</a:t>
             </a:r>
             <a:endParaRPr lang="de-DE" dirty="0"/>
           </a:p>
@@ -5933,7 +7354,7 @@
           <a:p>
             <a:r>
               <a:rPr lang="de-DE" smtClean="0"/>
-              <a:t>wikihistorybook - Abschlusspräsentation</a:t>
+              <a:t>wikihistorybook - final presentation</a:t>
             </a:r>
             <a:endParaRPr lang="de-DE"/>
           </a:p>
@@ -6009,7 +7430,7 @@
           <a:p>
             <a:r>
               <a:rPr lang="de-DE" smtClean="0"/>
-              <a:t>wikihistorybook - Abschlusspräsentation</a:t>
+              <a:t>wikihistorybook - final presentation</a:t>
             </a:r>
             <a:endParaRPr lang="de-DE" dirty="0"/>
           </a:p>
@@ -6155,12 +7576,50 @@
         </p:nvSpPr>
         <p:spPr/>
         <p:txBody>
-          <a:bodyPr/>
+          <a:bodyPr>
+            <a:normAutofit fontScale="90000"/>
+          </a:bodyPr>
           <a:lstStyle/>
           <a:p>
             <a:r>
               <a:rPr lang="de-DE" dirty="0" smtClean="0"/>
-              <a:t>Ablauf</a:t>
+              <a:t>Today </a:t>
+            </a:r>
+            <a:r>
+              <a:rPr lang="de-DE" dirty="0" err="1" smtClean="0"/>
+              <a:t>we‘re</a:t>
+            </a:r>
+            <a:r>
+              <a:rPr lang="de-DE" dirty="0" smtClean="0"/>
+              <a:t> </a:t>
+            </a:r>
+            <a:r>
+              <a:rPr lang="de-DE" dirty="0" err="1" smtClean="0"/>
+              <a:t>gonna</a:t>
+            </a:r>
+            <a:r>
+              <a:rPr lang="de-DE" dirty="0" smtClean="0"/>
+              <a:t> </a:t>
+            </a:r>
+            <a:r>
+              <a:rPr lang="de-DE" dirty="0" err="1" smtClean="0"/>
+              <a:t>be</a:t>
+            </a:r>
+            <a:r>
+              <a:rPr lang="de-DE" dirty="0" smtClean="0"/>
+              <a:t> </a:t>
+            </a:r>
+            <a:r>
+              <a:rPr lang="de-DE" dirty="0" err="1" smtClean="0"/>
+              <a:t>talking</a:t>
+            </a:r>
+            <a:r>
+              <a:rPr lang="de-DE" dirty="0" smtClean="0"/>
+              <a:t> </a:t>
+            </a:r>
+            <a:r>
+              <a:rPr lang="de-DE" dirty="0" err="1" smtClean="0"/>
+              <a:t>about</a:t>
             </a:r>
             <a:endParaRPr lang="de-DE" dirty="0"/>
           </a:p>
@@ -6185,42 +7644,67 @@
           <a:p>
             <a:r>
               <a:rPr lang="de-DE" dirty="0" smtClean="0"/>
-              <a:t>Idee des Kunden</a:t>
-            </a:r>
-          </a:p>
-          <a:p>
-            <a:r>
-              <a:rPr lang="de-DE" dirty="0"/>
-              <a:t>Wikipedia </a:t>
+              <a:t>Problem</a:t>
+            </a:r>
+            <a:endParaRPr lang="de-DE" dirty="0" smtClean="0"/>
+          </a:p>
+          <a:p>
+            <a:r>
+              <a:rPr lang="de-DE" dirty="0" err="1" smtClean="0"/>
+              <a:t>About</a:t>
             </a:r>
             <a:r>
               <a:rPr lang="de-DE" dirty="0" smtClean="0"/>
-              <a:t>allgemein</a:t>
-            </a:r>
-          </a:p>
-          <a:p>
+              <a:t> Wikipedia</a:t>
+            </a:r>
+            <a:endParaRPr lang="de-DE" dirty="0" smtClean="0"/>
+          </a:p>
+          <a:p>
+            <a:r>
+              <a:rPr lang="de-DE" dirty="0" err="1" smtClean="0"/>
+              <a:t>Preconditions</a:t>
+            </a:r>
             <a:r>
               <a:rPr lang="de-DE" dirty="0" smtClean="0"/>
-              <a:t>Voraussetzungen &amp; Technologie</a:t>
-            </a:r>
+              <a:t> &amp; </a:t>
+            </a:r>
+            <a:r>
+              <a:rPr lang="de-DE" dirty="0" err="1" smtClean="0"/>
+              <a:t>technology</a:t>
+            </a:r>
+            <a:endParaRPr lang="de-DE" dirty="0" smtClean="0"/>
           </a:p>
           <a:p>
             <a:r>
               <a:rPr lang="de-DE" dirty="0" smtClean="0"/>
-              <a:t>Organisation &amp; Zusammenarbeit</a:t>
-            </a:r>
-          </a:p>
-          <a:p>
+              <a:t>Organisation</a:t>
+            </a:r>
+          </a:p>
+          <a:p>
+            <a:r>
+              <a:rPr lang="de-DE" dirty="0" err="1" smtClean="0"/>
+              <a:t>Methods</a:t>
+            </a:r>
             <a:r>
               <a:rPr lang="de-DE" dirty="0" smtClean="0"/>
-              <a:t>Umsetzung</a:t>
-            </a:r>
+              <a:t> </a:t>
+            </a:r>
+            <a:r>
+              <a:rPr lang="de-DE" dirty="0" err="1" smtClean="0"/>
+              <a:t>used</a:t>
+            </a:r>
+            <a:endParaRPr lang="de-DE" dirty="0" smtClean="0"/>
           </a:p>
           <a:p>
             <a:r>
               <a:rPr lang="de-DE" dirty="0" smtClean="0"/>
-              <a:t>Ergebnisse</a:t>
-            </a:r>
+              <a:t>Main </a:t>
+            </a:r>
+            <a:r>
+              <a:rPr lang="de-DE" dirty="0" err="1" smtClean="0"/>
+              <a:t>results</a:t>
+            </a:r>
+            <a:endParaRPr lang="de-DE" dirty="0" smtClean="0"/>
           </a:p>
           <a:p>
             <a:pPr lvl="1"/>
@@ -6231,17 +7715,24 @@
           </a:p>
           <a:p>
             <a:r>
+              <a:rPr lang="de-DE" dirty="0" err="1" smtClean="0"/>
+              <a:t>Conclusion</a:t>
+            </a:r>
+            <a:r>
               <a:rPr lang="de-DE" dirty="0" smtClean="0"/>
-              <a:t>Retrospektive</a:t>
-            </a:r>
+              <a:t> / </a:t>
+            </a:r>
+            <a:r>
+              <a:rPr lang="de-DE" dirty="0" err="1" smtClean="0"/>
+              <a:t>retrospective</a:t>
+            </a:r>
+            <a:endParaRPr lang="de-DE" dirty="0" smtClean="0"/>
           </a:p>
           <a:p>
             <a:r>
               <a:rPr lang="de-DE" dirty="0" smtClean="0"/>
-              <a:t>Fragen</a:t>
-            </a:r>
-          </a:p>
-          <a:p>
+              <a:t>Q&amp;A</a:t>
+            </a:r>
             <a:endParaRPr lang="de-DE" dirty="0" smtClean="0"/>
           </a:p>
           <a:p>
@@ -6251,6 +7742,9 @@
             <a:endParaRPr lang="de-DE" dirty="0" smtClean="0"/>
           </a:p>
           <a:p>
+            <a:endParaRPr lang="de-DE" dirty="0" smtClean="0"/>
+          </a:p>
+          <a:p>
             <a:endParaRPr lang="de-DE" dirty="0"/>
           </a:p>
         </p:txBody>
@@ -6272,7 +7766,7 @@
           <a:p>
             <a:r>
               <a:rPr lang="de-DE" smtClean="0"/>
-              <a:t>wikihistorybook - Abschlusspräsentation</a:t>
+              <a:t>wikihistorybook - final presentation</a:t>
             </a:r>
             <a:endParaRPr lang="de-DE"/>
           </a:p>
@@ -6351,13 +7845,17 @@
         <p:spPr/>
         <p:txBody>
           <a:bodyPr>
-            <a:normAutofit fontScale="90000"/>
+            <a:normAutofit/>
           </a:bodyPr>
           <a:lstStyle/>
           <a:p>
             <a:r>
               <a:rPr lang="de-DE" dirty="0" smtClean="0"/>
-              <a:t>Idee des Kunden - Anforderungen</a:t>
+              <a:t>Problem - </a:t>
+            </a:r>
+            <a:r>
+              <a:rPr lang="de-DE" dirty="0" err="1" smtClean="0"/>
+              <a:t>requirements</a:t>
             </a:r>
             <a:endParaRPr lang="de-DE" dirty="0"/>
           </a:p>
@@ -6375,7 +7873,9 @@
         </p:nvSpPr>
         <p:spPr/>
         <p:txBody>
-          <a:bodyPr/>
+          <a:bodyPr>
+            <a:normAutofit/>
+          </a:bodyPr>
           <a:lstStyle/>
           <a:p>
             <a:pPr marL="0" indent="0">
@@ -6528,43 +8028,145 @@
           <a:p>
             <a:r>
               <a:rPr lang="de-DE" dirty="0"/>
-              <a:t>Wikipedia-Daten über die letzten 4‘000 Jahre</a:t>
-            </a:r>
-          </a:p>
-          <a:p>
+              <a:t>Wikipedia</a:t>
+            </a:r>
             <a:r>
               <a:rPr lang="de-DE" dirty="0" smtClean="0"/>
-              <a:t>Zeitleiste </a:t>
+              <a:t>-Data </a:t>
+            </a:r>
+            <a:r>
+              <a:rPr lang="de-DE" dirty="0" err="1" smtClean="0"/>
+              <a:t>over</a:t>
+            </a:r>
+            <a:r>
+              <a:rPr lang="de-DE" dirty="0" smtClean="0"/>
+              <a:t> last </a:t>
+            </a:r>
+            <a:r>
+              <a:rPr lang="de-DE" dirty="0" smtClean="0"/>
+              <a:t>4‘000 </a:t>
             </a:r>
             <a:r>
               <a:rPr lang="de-DE" dirty="0"/>
-              <a:t>mit </a:t>
-            </a:r>
-            <a:r>
-              <a:rPr lang="de-DE" dirty="0" err="1"/>
+              <a:t>Jahre</a:t>
+            </a:r>
+          </a:p>
+          <a:p>
+            <a:r>
+              <a:rPr lang="de-DE" dirty="0" smtClean="0"/>
+              <a:t>Time </a:t>
+            </a:r>
+            <a:r>
+              <a:rPr lang="de-DE" dirty="0" err="1" smtClean="0"/>
               <a:t>Slider</a:t>
             </a:r>
             <a:r>
+              <a:rPr lang="de-DE" dirty="0" smtClean="0"/>
+              <a:t> </a:t>
+            </a:r>
+            <a:r>
+              <a:rPr lang="de-DE" dirty="0" err="1" smtClean="0"/>
+              <a:t>with</a:t>
+            </a:r>
+            <a:r>
+              <a:rPr lang="de-DE" dirty="0" smtClean="0"/>
+              <a:t> </a:t>
+            </a:r>
+            <a:r>
+              <a:rPr lang="de-DE" dirty="0" err="1" smtClean="0"/>
+              <a:t>most</a:t>
+            </a:r>
+            <a:r>
+              <a:rPr lang="de-DE" dirty="0" smtClean="0"/>
+              <a:t> </a:t>
+            </a:r>
+            <a:r>
+              <a:rPr lang="de-DE" dirty="0" err="1" smtClean="0"/>
+              <a:t>important</a:t>
+            </a:r>
+            <a:r>
+              <a:rPr lang="de-DE" dirty="0" smtClean="0"/>
+              <a:t> </a:t>
+            </a:r>
+            <a:r>
+              <a:rPr lang="de-DE" dirty="0" err="1" smtClean="0"/>
+              <a:t>historical</a:t>
+            </a:r>
+            <a:r>
+              <a:rPr lang="de-DE" dirty="0" smtClean="0"/>
+              <a:t> </a:t>
+            </a:r>
+            <a:r>
+              <a:rPr lang="de-DE" dirty="0" err="1" smtClean="0"/>
+              <a:t>actors</a:t>
+            </a:r>
+            <a:endParaRPr lang="de-DE" dirty="0"/>
+          </a:p>
+          <a:p>
+            <a:pPr lvl="1"/>
+            <a:r>
               <a:rPr lang="de-DE" dirty="0"/>
-              <a:t> mit den wichtigsten Personen</a:t>
-            </a:r>
+              <a:t>10 </a:t>
+            </a:r>
+            <a:r>
+              <a:rPr lang="de-DE" dirty="0" err="1" smtClean="0"/>
+              <a:t>year-steps</a:t>
+            </a:r>
+            <a:r>
+              <a:rPr lang="de-DE" dirty="0" smtClean="0"/>
+              <a:t> </a:t>
+            </a:r>
+            <a:r>
+              <a:rPr lang="de-DE" dirty="0" err="1" smtClean="0"/>
+              <a:t>visualized</a:t>
+            </a:r>
+            <a:r>
+              <a:rPr lang="de-DE" dirty="0" smtClean="0"/>
+              <a:t> </a:t>
+            </a:r>
+            <a:r>
+              <a:rPr lang="de-DE" dirty="0" err="1" smtClean="0"/>
+              <a:t>as</a:t>
+            </a:r>
+            <a:r>
+              <a:rPr lang="de-DE" dirty="0" smtClean="0"/>
+              <a:t> </a:t>
+            </a:r>
+            <a:r>
+              <a:rPr lang="de-DE" dirty="0" err="1" smtClean="0"/>
+              <a:t>network</a:t>
+            </a:r>
+            <a:endParaRPr lang="de-DE" dirty="0" smtClean="0"/>
           </a:p>
           <a:p>
             <a:pPr lvl="1"/>
             <a:r>
-              <a:rPr lang="de-DE" dirty="0"/>
-              <a:t>10 Jahresschritte mit Netzwerk</a:t>
-            </a:r>
-          </a:p>
-          <a:p>
-            <a:pPr lvl="1"/>
-            <a:r>
-              <a:rPr lang="de-DE" dirty="0"/>
-              <a:t>Priorisierung im </a:t>
+              <a:rPr lang="en-US" dirty="0" err="1" smtClean="0"/>
+              <a:t>Prioritising</a:t>
             </a:r>
             <a:r>
               <a:rPr lang="de-DE" dirty="0" smtClean="0"/>
-              <a:t>Netzwerk</a:t>
+              <a:t> </a:t>
+            </a:r>
+            <a:r>
+              <a:rPr lang="de-DE" dirty="0" err="1" smtClean="0"/>
+              <a:t>inside</a:t>
+            </a:r>
+            <a:r>
+              <a:rPr lang="de-DE" dirty="0" smtClean="0"/>
+              <a:t> </a:t>
+            </a:r>
+            <a:r>
+              <a:rPr lang="de-DE" dirty="0" err="1" smtClean="0"/>
+              <a:t>the</a:t>
+            </a:r>
+            <a:r>
+              <a:rPr lang="de-DE" dirty="0" smtClean="0"/>
+              <a:t> </a:t>
+            </a:r>
+            <a:r>
+              <a:rPr lang="de-DE" dirty="0" err="1" smtClean="0"/>
+              <a:t>network</a:t>
             </a:r>
             <a:endParaRPr lang="de-DE" dirty="0"/>
           </a:p>
@@ -6587,7 +8189,7 @@
           <a:p>
             <a:r>
               <a:rPr lang="de-DE" smtClean="0"/>
-              <a:t>wikihistorybook - Abschlusspräsentation</a:t>
+              <a:t>wikihistorybook - final presentation</a:t>
             </a:r>
             <a:endParaRPr lang="de-DE"/>
           </a:p>
@@ -6693,47 +8295,137 @@
           <a:p>
             <a:r>
               <a:rPr lang="de-DE" dirty="0" smtClean="0"/>
-              <a:t>Freies Online Lexikon</a:t>
-            </a:r>
+              <a:t>Free online </a:t>
+            </a:r>
+            <a:r>
+              <a:rPr lang="de-DE" dirty="0" err="1" smtClean="0"/>
+              <a:t>lexicon</a:t>
+            </a:r>
+            <a:endParaRPr lang="de-DE" dirty="0" smtClean="0"/>
           </a:p>
           <a:p>
             <a:pPr lvl="1"/>
             <a:r>
+              <a:rPr lang="de-DE" dirty="0" err="1" smtClean="0"/>
+              <a:t>collaboratively</a:t>
+            </a:r>
+            <a:r>
+              <a:rPr lang="de-DE" dirty="0" smtClean="0"/>
+              <a:t> </a:t>
+            </a:r>
+            <a:r>
+              <a:rPr lang="de-DE" dirty="0" err="1"/>
+              <a:t>edited</a:t>
+            </a:r>
+            <a:r>
               <a:rPr lang="de-DE" dirty="0"/>
-              <a:t>frei lizenzierte und qualitativ hochstehende </a:t>
-            </a:r>
+              <a:t>, multilingual, </a:t>
+            </a:r>
+            <a:r>
+              <a:rPr lang="de-DE" dirty="0" err="1"/>
+              <a:t>free</a:t>
+            </a:r>
+            <a:r>
+              <a:rPr lang="de-DE" dirty="0"/>
+              <a:t>-access, </a:t>
+            </a:r>
+            <a:r>
+              <a:rPr lang="de-DE" dirty="0" err="1"/>
+              <a:t>free</a:t>
+            </a:r>
+            <a:r>
+              <a:rPr lang="de-DE" dirty="0"/>
+              <a:t> </a:t>
+            </a:r>
+            <a:r>
+              <a:rPr lang="de-DE" dirty="0" err="1"/>
+              <a:t>content</a:t>
+            </a:r>
+            <a:r>
+              <a:rPr lang="de-DE" dirty="0"/>
+              <a:t> Internet </a:t>
+            </a:r>
+            <a:r>
+              <a:rPr lang="de-DE" dirty="0" err="1" smtClean="0"/>
+              <a:t>encyclopedia</a:t>
+            </a:r>
+            <a:endParaRPr lang="de-DE" dirty="0" smtClean="0"/>
+          </a:p>
+          <a:p>
+            <a:pPr lvl="1"/>
             <a:r>
               <a:rPr lang="de-DE" dirty="0" smtClean="0"/>
-              <a:t>Enzyklopädie</a:t>
-            </a:r>
-          </a:p>
-          <a:p>
+              <a:t>30 </a:t>
+            </a:r>
+            <a:r>
+              <a:rPr lang="de-DE" dirty="0" err="1" smtClean="0"/>
+              <a:t>million</a:t>
+            </a:r>
             <a:r>
               <a:rPr lang="de-DE" dirty="0" smtClean="0"/>
-              <a:t>30 Millionen Artikel</a:t>
-            </a:r>
-          </a:p>
-          <a:p>
-            <a:r>
-              <a:rPr lang="de-DE" dirty="0" smtClean="0"/>
-              <a:t>offener Bearbeitungsprozess</a:t>
-            </a:r>
-          </a:p>
-          <a:p>
+              <a:t> </a:t>
+            </a:r>
+            <a:r>
+              <a:rPr lang="de-DE" dirty="0" err="1" smtClean="0"/>
+              <a:t>articles</a:t>
+            </a:r>
+            <a:endParaRPr lang="de-DE" dirty="0" smtClean="0"/>
+          </a:p>
+          <a:p>
+            <a:r>
+              <a:rPr lang="de-DE" b="1" dirty="0" err="1" smtClean="0">
+                <a:latin typeface="Source Sans Pro Semibold"/>
+                <a:cs typeface="Source Sans Pro Semibold"/>
+              </a:rPr>
+              <a:t>Articles</a:t>
+            </a:r>
             <a:r>
               <a:rPr lang="de-DE" b="1" dirty="0" smtClean="0">
                 <a:latin typeface="Source Sans Pro Semibold"/>
                 <a:cs typeface="Source Sans Pro Semibold"/>
               </a:rPr>
-              <a:t>Artikel mit Backlinks</a:t>
-            </a:r>
+              <a:t> </a:t>
+            </a:r>
+            <a:r>
+              <a:rPr lang="de-DE" b="1" dirty="0" err="1" smtClean="0">
+                <a:latin typeface="Source Sans Pro Semibold"/>
+                <a:cs typeface="Source Sans Pro Semibold"/>
+              </a:rPr>
+              <a:t>connected</a:t>
+            </a:r>
+            <a:r>
+              <a:rPr lang="de-DE" b="1" dirty="0" smtClean="0">
+                <a:latin typeface="Source Sans Pro Semibold"/>
+                <a:cs typeface="Source Sans Pro Semibold"/>
+              </a:rPr>
+              <a:t> </a:t>
+            </a:r>
+            <a:r>
+              <a:rPr lang="de-DE" b="1" dirty="0" err="1" smtClean="0">
+                <a:latin typeface="Source Sans Pro Semibold"/>
+                <a:cs typeface="Source Sans Pro Semibold"/>
+              </a:rPr>
+              <a:t>with</a:t>
+            </a:r>
+            <a:r>
+              <a:rPr lang="de-DE" b="1" dirty="0" smtClean="0">
+                <a:latin typeface="Source Sans Pro Semibold"/>
+                <a:cs typeface="Source Sans Pro Semibold"/>
+              </a:rPr>
+              <a:t> Backlinks</a:t>
+            </a:r>
+            <a:endParaRPr lang="de-DE" b="1" dirty="0" smtClean="0">
+              <a:latin typeface="Source Sans Pro Semibold"/>
+              <a:cs typeface="Source Sans Pro Semibold"/>
+            </a:endParaRPr>
           </a:p>
           <a:p>
             <a:pPr lvl="1"/>
             <a:r>
-              <a:rPr lang="de-DE" dirty="0"/>
-              <a:t>Netzwerk</a:t>
-            </a:r>
+              <a:rPr lang="de-DE" dirty="0" smtClean="0"/>
+              <a:t>= Network</a:t>
+            </a:r>
+            <a:endParaRPr lang="de-DE" dirty="0"/>
           </a:p>
         </p:txBody>
       </p:sp>
@@ -6754,7 +8446,7 @@
           <a:p>
             <a:r>
               <a:rPr lang="de-DE" smtClean="0"/>
-              <a:t>wikihistorybook - Abschlusspräsentation</a:t>
+              <a:t>wikihistorybook - final presentation</a:t>
             </a:r>
             <a:endParaRPr lang="de-DE"/>
           </a:p>
@@ -6792,7 +8484,7 @@
           <p:nvPr/>
         </p:nvPicPr>
         <p:blipFill>
-          <a:blip r:embed="rId2">
+          <a:blip r:embed="rId3">
             <a:clrChange>
               <a:clrFrom>
                 <a:srgbClr val="FFFFFF"/>
@@ -6861,67 +8553,107 @@
         <p:spPr/>
         <p:txBody>
           <a:bodyPr>
-            <a:normAutofit fontScale="90000"/>
+            <a:normAutofit/>
           </a:bodyPr>
           <a:lstStyle/>
           <a:p>
             <a:r>
+              <a:rPr lang="de-DE" dirty="0" err="1"/>
+              <a:t>Preconditions</a:t>
+            </a:r>
+            <a:r>
+              <a:rPr lang="de-DE" dirty="0"/>
+              <a:t> &amp; </a:t>
+            </a:r>
+            <a:r>
+              <a:rPr lang="de-DE" dirty="0" err="1"/>
+              <a:t>technology</a:t>
+            </a:r>
+            <a:endParaRPr lang="de-DE" dirty="0"/>
+          </a:p>
+        </p:txBody>
+      </p:sp>
+      <p:sp>
+        <p:nvSpPr>
+          <p:cNvPr id="3" name="Inhaltsplatzhalter 2"/>
+          <p:cNvSpPr>
+            <a:spLocks noGrp="1"/>
+          </p:cNvSpPr>
+          <p:nvPr>
+            <p:ph idx="1"/>
+          </p:nvPr>
+        </p:nvSpPr>
+        <p:spPr/>
+        <p:txBody>
+          <a:bodyPr/>
+          <a:lstStyle/>
+          <a:p>
+            <a:r>
               <a:rPr lang="de-DE" dirty="0" smtClean="0"/>
-              <a:t>Voraussetzungen und Technologie</a:t>
-            </a:r>
-            <a:endParaRPr lang="de-DE" dirty="0"/>
-          </a:p>
-        </p:txBody>
-      </p:sp>
-      <p:sp>
-        <p:nvSpPr>
-          <p:cNvPr id="3" name="Inhaltsplatzhalter 2"/>
-          <p:cNvSpPr>
-            <a:spLocks noGrp="1"/>
-          </p:cNvSpPr>
-          <p:nvPr>
-            <p:ph idx="1"/>
-          </p:nvPr>
-        </p:nvSpPr>
-        <p:spPr/>
-        <p:txBody>
-          <a:bodyPr/>
-          <a:lstStyle/>
-          <a:p>
+              <a:t>Database-</a:t>
+            </a:r>
             <a:r>
               <a:rPr lang="de-DE" dirty="0" err="1" smtClean="0"/>
-              <a:t>Datenbankdump</a:t>
-            </a:r>
+              <a:t>dump</a:t>
+            </a:r>
+            <a:endParaRPr lang="de-DE" dirty="0" smtClean="0"/>
+          </a:p>
+          <a:p>
+            <a:pPr lvl="1"/>
             <a:r>
               <a:rPr lang="de-DE" dirty="0" smtClean="0"/>
-              <a:t> vorhanden</a:t>
+              <a:t>Person </a:t>
+            </a:r>
+            <a:r>
+              <a:rPr lang="de-DE" dirty="0" err="1" smtClean="0"/>
+              <a:t>data</a:t>
+            </a:r>
+            <a:endParaRPr lang="de-DE" dirty="0" smtClean="0"/>
+          </a:p>
+          <a:p>
+            <a:r>
+              <a:rPr lang="de-DE" dirty="0" smtClean="0"/>
+              <a:t>Clear </a:t>
+            </a:r>
+            <a:r>
+              <a:rPr lang="de-DE" dirty="0" err="1" smtClean="0"/>
+              <a:t>specifiation</a:t>
+            </a:r>
+            <a:endParaRPr lang="de-DE" dirty="0" smtClean="0"/>
+          </a:p>
+          <a:p>
+            <a:r>
+              <a:rPr lang="de-DE" dirty="0"/>
+              <a:t>Implementation </a:t>
+            </a:r>
+            <a:r>
+              <a:rPr lang="de-DE" dirty="0" err="1"/>
+              <a:t>planned</a:t>
+            </a:r>
+            <a:r>
+              <a:rPr lang="de-DE" dirty="0"/>
+              <a:t> </a:t>
+            </a:r>
+            <a:r>
+              <a:rPr lang="de-DE" dirty="0" err="1" smtClean="0"/>
+              <a:t>with</a:t>
+            </a:r>
+            <a:r>
+              <a:rPr lang="de-DE" dirty="0" smtClean="0"/>
+              <a:t> Open </a:t>
+            </a:r>
+            <a:r>
+              <a:rPr lang="de-DE" dirty="0" smtClean="0"/>
+              <a:t>GL</a:t>
             </a:r>
           </a:p>
           <a:p>
             <a:pPr lvl="1"/>
             <a:r>
-              <a:rPr lang="de-DE" dirty="0" smtClean="0"/>
-              <a:t>Personendaten</a:t>
-            </a:r>
-          </a:p>
-          <a:p>
-            <a:r>
-              <a:rPr lang="de-DE" dirty="0" smtClean="0"/>
-              <a:t>Klare Anforderungen</a:t>
-            </a:r>
-          </a:p>
-          <a:p>
-            <a:r>
-              <a:rPr lang="de-DE" dirty="0" smtClean="0"/>
-              <a:t>Umsetzung geplant mit Open GL</a:t>
-            </a:r>
-          </a:p>
-          <a:p>
-            <a:pPr lvl="1"/>
-            <a:r>
-              <a:rPr lang="de-DE" dirty="0" smtClean="0"/>
-              <a:t>verworfen</a:t>
-            </a:r>
+              <a:rPr lang="de-DE" dirty="0" err="1"/>
+              <a:t>discarded</a:t>
+            </a:r>
+            <a:endParaRPr lang="de-DE" dirty="0" smtClean="0"/>
           </a:p>
           <a:p>
             <a:pPr lvl="1"/>
@@ -6956,7 +8688,7 @@
           <a:p>
             <a:r>
               <a:rPr lang="de-DE" smtClean="0"/>
-              <a:t>wikihistorybook - Abschlusspräsentation</a:t>
+              <a:t>wikihistorybook - final presentation</a:t>
             </a:r>
             <a:endParaRPr lang="de-DE"/>
           </a:p>
@@ -6985,46 +8717,6 @@
           </a:p>
         </p:txBody>
       </p:sp>
-      <p:pic>
-        <p:nvPicPr>
-          <p:cNvPr id="6" name="Bild 5" descr="Bildschirmfoto 2014-06-16 um 11.12.44.png"/>
-          <p:cNvPicPr>
-            <a:picLocks noChangeAspect="1"/>
-          </p:cNvPicPr>
-          <p:nvPr/>
-        </p:nvPicPr>
-        <p:blipFill>
-          <a:blip r:embed="rId2">
-            <a:clrChange>
-              <a:clrFrom>
-                <a:srgbClr val="BCBCBC"/>
-              </a:clrFrom>
-              <a:clrTo>
-                <a:srgbClr val="BCBCBC">
-                  <a:alpha val="0"/>
-                </a:srgbClr>
-              </a:clrTo>
-            </a:clrChange>
-            <a:extLst>
-              <a:ext uri="{28A0092B-C50C-407E-A947-70E740481C1C}">
-                <a14:useLocalDpi xmlns:a14="http://schemas.microsoft.com/office/drawing/2010/main" val="0"/>
-              </a:ext>
-            </a:extLst>
-          </a:blip>
-          <a:stretch>
-            <a:fillRect/>
-          </a:stretch>
-        </p:blipFill>
-        <p:spPr>
-          <a:xfrm>
-            <a:off x="6769100" y="3492904"/>
-            <a:ext cx="1917700" cy="2146300"/>
-          </a:xfrm>
-          <a:prstGeom prst="rect">
-            <a:avLst/>
-          </a:prstGeom>
-        </p:spPr>
-      </p:pic>
     </p:spTree>
     <p:extLst>
       <p:ext uri="{BB962C8B-B14F-4D97-AF65-F5344CB8AC3E}">
@@ -7072,7 +8764,7 @@
           <a:p>
             <a:r>
               <a:rPr lang="de-DE" smtClean="0"/>
-              <a:t>wikihistorybook - Abschlusspräsentation</a:t>
+              <a:t>wikihistorybook - final presentation</a:t>
             </a:r>
             <a:endParaRPr lang="de-DE" dirty="0"/>
           </a:p>
@@ -7110,7 +8802,7 @@
           <p:nvPr/>
         </p:nvPicPr>
         <p:blipFill>
-          <a:blip r:embed="rId2">
+          <a:blip r:embed="rId3">
             <a:extLst>
               <a:ext uri="{28A0092B-C50C-407E-A947-70E740481C1C}">
                 <a14:useLocalDpi xmlns:a14="http://schemas.microsoft.com/office/drawing/2010/main" val="0"/>
@@ -7192,12 +8884,8 @@
           <a:lstStyle/>
           <a:p>
             <a:r>
-              <a:rPr lang="de-DE" dirty="0"/>
-              <a:t>Organisation &amp; </a:t>
-            </a:r>
-            <a:r>
               <a:rPr lang="de-DE" dirty="0" smtClean="0"/>
-              <a:t>Zusammenarbeit</a:t>
+              <a:t>Organisation</a:t>
             </a:r>
             <a:endParaRPr lang="de-DE" dirty="0"/>
           </a:p>
@@ -7220,22 +8908,25 @@
           <a:p>
             <a:r>
               <a:rPr lang="de-DE" dirty="0" smtClean="0"/>
-              <a:t>5 Studenten aus Brugg, 1 Student aus Köln</a:t>
-            </a:r>
-          </a:p>
-          <a:p>
+              <a:t>5 </a:t>
+            </a:r>
+            <a:r>
+              <a:rPr lang="de-DE" dirty="0" err="1" smtClean="0"/>
+              <a:t>Students</a:t>
+            </a:r>
             <a:r>
               <a:rPr lang="de-DE" dirty="0" smtClean="0"/>
-              <a:t>Google </a:t>
-            </a:r>
-            <a:r>
-              <a:rPr lang="de-DE" dirty="0" err="1" smtClean="0"/>
-              <a:t>Hangout</a:t>
+              <a:t> from Brugg</a:t>
             </a:r>
             <a:r>
               <a:rPr lang="de-DE" dirty="0" smtClean="0"/>
-              <a:t> für Meetings</a:t>
-            </a:r>
+              <a:t>, 1 Student </a:t>
+            </a:r>
+            <a:r>
+              <a:rPr lang="de-DE" dirty="0" smtClean="0"/>
+              <a:t>from GER</a:t>
+            </a:r>
+            <a:endParaRPr lang="de-DE" dirty="0" smtClean="0"/>
           </a:p>
           <a:p>
             <a:r>
@@ -7244,11 +8935,11 @@
             </a:r>
             <a:r>
               <a:rPr lang="de-DE" dirty="0" err="1" smtClean="0"/>
-              <a:t>Versionierung</a:t>
+              <a:t>versioning</a:t>
             </a:r>
             <a:r>
               <a:rPr lang="de-DE" dirty="0" smtClean="0"/>
-              <a:t> auf </a:t>
+              <a:t> on </a:t>
             </a:r>
             <a:r>
               <a:rPr lang="de-DE" dirty="0" err="1" smtClean="0"/>
@@ -7260,13 +8951,46 @@
             <a:pPr lvl="1"/>
             <a:r>
               <a:rPr lang="de-DE" dirty="0" smtClean="0"/>
-              <a:t>Arbeitspakete &amp; Meilensteine</a:t>
-            </a:r>
-          </a:p>
-          <a:p>
+              <a:t>Work </a:t>
+            </a:r>
+            <a:r>
+              <a:rPr lang="de-DE" dirty="0" err="1" smtClean="0"/>
+              <a:t>packages</a:t>
+            </a:r>
             <a:r>
               <a:rPr lang="de-DE" dirty="0" smtClean="0"/>
-              <a:t>Anforderungen, Arbeitspakete, Sitzungsprotokolle auf Google Drive</a:t>
+              <a:t> &amp; </a:t>
+            </a:r>
+            <a:r>
+              <a:rPr lang="de-DE" dirty="0" err="1" smtClean="0"/>
+              <a:t>milestones</a:t>
+            </a:r>
+            <a:endParaRPr lang="de-DE" dirty="0" smtClean="0"/>
+          </a:p>
+          <a:p>
+            <a:r>
+              <a:rPr lang="de-DE" dirty="0" smtClean="0"/>
+              <a:t>Requirements, </a:t>
+            </a:r>
+            <a:r>
+              <a:rPr lang="de-DE" dirty="0" err="1" smtClean="0"/>
+              <a:t>packages</a:t>
+            </a:r>
+            <a:r>
+              <a:rPr lang="de-DE" dirty="0" smtClean="0"/>
+              <a:t>, </a:t>
+            </a:r>
+            <a:r>
+              <a:rPr lang="de-DE" dirty="0" err="1" smtClean="0"/>
+              <a:t>protocols</a:t>
+            </a:r>
+            <a:r>
+              <a:rPr lang="de-DE" dirty="0" smtClean="0"/>
+              <a:t> on Google </a:t>
+            </a:r>
+            <a:r>
+              <a:rPr lang="de-DE" dirty="0" smtClean="0"/>
+              <a:t>Drive</a:t>
             </a:r>
           </a:p>
         </p:txBody>
@@ -7288,7 +9012,7 @@
           <a:p>
             <a:r>
               <a:rPr lang="de-DE" smtClean="0"/>
-              <a:t>wikihistorybook - Abschlusspräsentation</a:t>
+              <a:t>wikihistorybook - final presentation</a:t>
             </a:r>
             <a:endParaRPr lang="de-DE"/>
           </a:p>
@@ -7364,7 +9088,7 @@
           <a:p>
             <a:r>
               <a:rPr lang="de-DE" smtClean="0"/>
-              <a:t>wikihistorybook - Abschlusspräsentation</a:t>
+              <a:t>wikihistorybook - final presentation</a:t>
             </a:r>
             <a:endParaRPr lang="de-DE" dirty="0"/>
           </a:p>
@@ -7402,7 +9126,7 @@
           <p:nvPr/>
         </p:nvPicPr>
         <p:blipFill rotWithShape="1">
-          <a:blip r:embed="rId2">
+          <a:blip r:embed="rId3">
             <a:extLst>
               <a:ext uri="{28A0092B-C50C-407E-A947-70E740481C1C}">
                 <a14:useLocalDpi xmlns:a14="http://schemas.microsoft.com/office/drawing/2010/main" val="0"/>
@@ -7491,8 +9215,16 @@
           <a:lstStyle/>
           <a:p>
             <a:r>
+              <a:rPr lang="de-DE" dirty="0" err="1" smtClean="0"/>
+              <a:t>Methods</a:t>
+            </a:r>
+            <a:r>
               <a:rPr lang="de-DE" dirty="0" smtClean="0"/>
-              <a:t>Umsetzung</a:t>
+              <a:t> </a:t>
+            </a:r>
+            <a:r>
+              <a:rPr lang="de-DE" dirty="0" err="1" smtClean="0"/>
+              <a:t>used</a:t>
             </a:r>
             <a:endParaRPr lang="de-DE" dirty="0"/>
           </a:p>
@@ -7514,44 +9246,97 @@
           <a:lstStyle/>
           <a:p>
             <a:r>
-              <a:rPr lang="de-DE" dirty="0"/>
-              <a:t>Prototypen</a:t>
-            </a:r>
-          </a:p>
-          <a:p>
-            <a:r>
-              <a:rPr lang="de-DE" dirty="0"/>
-              <a:t>Durchstiche</a:t>
-            </a:r>
-          </a:p>
-          <a:p>
-            <a:r>
-              <a:rPr lang="de-DE" dirty="0"/>
-              <a:t>Sichtbarer Fortschritt</a:t>
-            </a:r>
-          </a:p>
-          <a:p>
-            <a:r>
-              <a:rPr lang="de-DE" dirty="0"/>
-              <a:t>Gute </a:t>
-            </a:r>
+              <a:rPr lang="de-DE" dirty="0" err="1" smtClean="0"/>
+              <a:t>Prototyping</a:t>
+            </a:r>
+            <a:endParaRPr lang="de-DE" dirty="0"/>
+          </a:p>
+          <a:p>
             <a:r>
               <a:rPr lang="de-DE" dirty="0" smtClean="0"/>
-              <a:t>Aufgabenteilung</a:t>
-            </a:r>
+              <a:t>Technical </a:t>
+            </a:r>
+            <a:r>
+              <a:rPr lang="de-DE" dirty="0" err="1"/>
+              <a:t>puncture</a:t>
+            </a:r>
+            <a:endParaRPr lang="de-DE" dirty="0"/>
+          </a:p>
+          <a:p>
+            <a:r>
+              <a:rPr lang="de-DE" dirty="0" smtClean="0"/>
+              <a:t>Visible </a:t>
+            </a:r>
+            <a:r>
+              <a:rPr lang="de-DE" dirty="0" err="1" smtClean="0"/>
+              <a:t>progress</a:t>
+            </a:r>
+            <a:endParaRPr lang="de-DE" dirty="0"/>
+          </a:p>
+          <a:p>
+            <a:r>
+              <a:rPr lang="de-DE" dirty="0" err="1" smtClean="0"/>
+              <a:t>Perfect</a:t>
+            </a:r>
+            <a:r>
+              <a:rPr lang="de-DE" dirty="0" smtClean="0"/>
+              <a:t> </a:t>
+            </a:r>
+            <a:r>
+              <a:rPr lang="de-DE" dirty="0" err="1" smtClean="0"/>
+              <a:t>division</a:t>
+            </a:r>
+            <a:r>
+              <a:rPr lang="de-DE" dirty="0" smtClean="0"/>
+              <a:t> </a:t>
+            </a:r>
+            <a:r>
+              <a:rPr lang="de-DE" dirty="0" err="1" smtClean="0"/>
+              <a:t>of</a:t>
+            </a:r>
+            <a:r>
+              <a:rPr lang="de-DE" dirty="0" smtClean="0"/>
+              <a:t> </a:t>
+            </a:r>
+            <a:r>
+              <a:rPr lang="de-DE" dirty="0" err="1" smtClean="0"/>
+              <a:t>work</a:t>
+            </a:r>
+            <a:endParaRPr lang="de-DE" dirty="0" smtClean="0"/>
           </a:p>
           <a:p>
             <a:pPr lvl="1"/>
             <a:r>
+              <a:rPr lang="de-DE" dirty="0" err="1" smtClean="0"/>
+              <a:t>Weekly</a:t>
+            </a:r>
+            <a:r>
               <a:rPr lang="de-DE" dirty="0" smtClean="0"/>
-              <a:t>Wöchentliche Meeting</a:t>
-            </a:r>
+              <a:t> </a:t>
+            </a:r>
+            <a:r>
+              <a:rPr lang="de-DE" dirty="0" err="1" smtClean="0"/>
+              <a:t>meetings</a:t>
+            </a:r>
+            <a:endParaRPr lang="de-DE" dirty="0" smtClean="0"/>
           </a:p>
           <a:p>
             <a:pPr lvl="1"/>
             <a:r>
+              <a:rPr lang="de-DE" dirty="0" err="1" smtClean="0"/>
+              <a:t>Weekly</a:t>
+            </a:r>
+            <a:r>
               <a:rPr lang="de-DE" dirty="0" smtClean="0"/>
-              <a:t>Wöchentliche Sprint </a:t>
+              <a:t> </a:t>
+            </a:r>
+            <a:r>
+              <a:rPr lang="de-DE" dirty="0" err="1" smtClean="0"/>
+              <a:t>sprint</a:t>
+            </a:r>
+            <a:r>
+              <a:rPr lang="de-DE" dirty="0" smtClean="0"/>
+              <a:t> </a:t>
             </a:r>
             <a:r>
               <a:rPr lang="de-DE" dirty="0" err="1" smtClean="0"/>
@@ -7578,7 +9363,7 @@
           <a:p>
             <a:r>
               <a:rPr lang="de-DE" smtClean="0"/>
-              <a:t>wikihistorybook - Abschlusspräsentation</a:t>
+              <a:t>wikihistorybook - final presentation</a:t>
             </a:r>
             <a:endParaRPr lang="de-DE"/>
           </a:p>

--- a/administration/Sprint presentations/Präsentation_Abschluss_wiki.pptx
+++ b/administration/Sprint presentations/Präsentation_Abschluss_wiki.pptx
@@ -1129,10 +1129,10 @@
           <a:lstStyle/>
           <a:p>
             <a:r>
-              <a:rPr lang="de-DE" smtClean="0"/>
+              <a:rPr lang="de-DE" dirty="0" smtClean="0"/>
               <a:t>all</a:t>
             </a:r>
-            <a:endParaRPr lang="de-DE"/>
+            <a:endParaRPr lang="de-DE" dirty="0"/>
           </a:p>
         </p:txBody>
       </p:sp>
